--- a/SRS/use case v.2.0.pptx
+++ b/SRS/use case v.2.0.pptx
@@ -6,7 +6,7 @@
   </p:sldMasterIdLst>
   <p:sldIdLst>
     <p:sldId id="257" r:id="rId2"/>
-    <p:sldId id="258" r:id="rId3"/>
+    <p:sldId id="259" r:id="rId3"/>
   </p:sldIdLst>
   <p:sldSz cx="18003838" cy="18003838"/>
   <p:notesSz cx="6858000" cy="9144000"/>
@@ -289,7 +289,7 @@
           <a:p>
             <a:fld id="{ADE5272D-563D-F34A-A5C4-46D1B5A0E3F5}" type="datetimeFigureOut">
               <a:rPr lang="en-US" smtClean="0"/>
-              <a:t>10/12/14 </a:t>
+              <a:t>10/14/14 </a:t>
             </a:fld>
             <a:endParaRPr lang="en-US"/>
           </a:p>
@@ -459,7 +459,7 @@
           <a:p>
             <a:fld id="{ADE5272D-563D-F34A-A5C4-46D1B5A0E3F5}" type="datetimeFigureOut">
               <a:rPr lang="en-US" smtClean="0"/>
-              <a:t>10/12/14 </a:t>
+              <a:t>10/14/14 </a:t>
             </a:fld>
             <a:endParaRPr lang="en-US"/>
           </a:p>
@@ -639,7 +639,7 @@
           <a:p>
             <a:fld id="{ADE5272D-563D-F34A-A5C4-46D1B5A0E3F5}" type="datetimeFigureOut">
               <a:rPr lang="en-US" smtClean="0"/>
-              <a:t>10/12/14 </a:t>
+              <a:t>10/14/14 </a:t>
             </a:fld>
             <a:endParaRPr lang="en-US"/>
           </a:p>
@@ -809,7 +809,7 @@
           <a:p>
             <a:fld id="{ADE5272D-563D-F34A-A5C4-46D1B5A0E3F5}" type="datetimeFigureOut">
               <a:rPr lang="en-US" smtClean="0"/>
-              <a:t>10/12/14 </a:t>
+              <a:t>10/14/14 </a:t>
             </a:fld>
             <a:endParaRPr lang="en-US"/>
           </a:p>
@@ -1055,7 +1055,7 @@
           <a:p>
             <a:fld id="{ADE5272D-563D-F34A-A5C4-46D1B5A0E3F5}" type="datetimeFigureOut">
               <a:rPr lang="en-US" smtClean="0"/>
-              <a:t>10/12/14 </a:t>
+              <a:t>10/14/14 </a:t>
             </a:fld>
             <a:endParaRPr lang="en-US"/>
           </a:p>
@@ -1343,7 +1343,7 @@
           <a:p>
             <a:fld id="{ADE5272D-563D-F34A-A5C4-46D1B5A0E3F5}" type="datetimeFigureOut">
               <a:rPr lang="en-US" smtClean="0"/>
-              <a:t>10/12/14 </a:t>
+              <a:t>10/14/14 </a:t>
             </a:fld>
             <a:endParaRPr lang="en-US"/>
           </a:p>
@@ -1765,7 +1765,7 @@
           <a:p>
             <a:fld id="{ADE5272D-563D-F34A-A5C4-46D1B5A0E3F5}" type="datetimeFigureOut">
               <a:rPr lang="en-US" smtClean="0"/>
-              <a:t>10/12/14 </a:t>
+              <a:t>10/14/14 </a:t>
             </a:fld>
             <a:endParaRPr lang="en-US"/>
           </a:p>
@@ -1883,7 +1883,7 @@
           <a:p>
             <a:fld id="{ADE5272D-563D-F34A-A5C4-46D1B5A0E3F5}" type="datetimeFigureOut">
               <a:rPr lang="en-US" smtClean="0"/>
-              <a:t>10/12/14 </a:t>
+              <a:t>10/14/14 </a:t>
             </a:fld>
             <a:endParaRPr lang="en-US"/>
           </a:p>
@@ -1978,7 +1978,7 @@
           <a:p>
             <a:fld id="{ADE5272D-563D-F34A-A5C4-46D1B5A0E3F5}" type="datetimeFigureOut">
               <a:rPr lang="en-US" smtClean="0"/>
-              <a:t>10/12/14 </a:t>
+              <a:t>10/14/14 </a:t>
             </a:fld>
             <a:endParaRPr lang="en-US"/>
           </a:p>
@@ -2255,7 +2255,7 @@
           <a:p>
             <a:fld id="{ADE5272D-563D-F34A-A5C4-46D1B5A0E3F5}" type="datetimeFigureOut">
               <a:rPr lang="en-US" smtClean="0"/>
-              <a:t>10/12/14 </a:t>
+              <a:t>10/14/14 </a:t>
             </a:fld>
             <a:endParaRPr lang="en-US"/>
           </a:p>
@@ -2508,7 +2508,7 @@
           <a:p>
             <a:fld id="{ADE5272D-563D-F34A-A5C4-46D1B5A0E3F5}" type="datetimeFigureOut">
               <a:rPr lang="en-US" smtClean="0"/>
-              <a:t>10/12/14 </a:t>
+              <a:t>10/14/14 </a:t>
             </a:fld>
             <a:endParaRPr lang="en-US"/>
           </a:p>
@@ -2721,7 +2721,7 @@
           <a:p>
             <a:fld id="{ADE5272D-563D-F34A-A5C4-46D1B5A0E3F5}" type="datetimeFigureOut">
               <a:rPr lang="en-US" smtClean="0"/>
-              <a:t>10/12/14 </a:t>
+              <a:t>10/14/14 </a:t>
             </a:fld>
             <a:endParaRPr lang="en-US"/>
           </a:p>
@@ -6063,7 +6063,7 @@
       </p:grpSpPr>
       <p:pic>
         <p:nvPicPr>
-          <p:cNvPr id="4" name="Picture 3" descr="facebook-logo.png"/>
+          <p:cNvPr id="209" name="Picture 208" descr="ggapi.png"/>
           <p:cNvPicPr>
             <a:picLocks noChangeAspect="1"/>
           </p:cNvPicPr>
@@ -6083,1305 +6083,17 @@
         </p:blipFill>
         <p:spPr>
           <a:xfrm>
-            <a:off x="14666133" y="6504737"/>
-            <a:ext cx="1036299" cy="1036451"/>
+            <a:off x="14867948" y="10726076"/>
+            <a:ext cx="1664437" cy="1664681"/>
           </a:xfrm>
           <a:prstGeom prst="rect">
             <a:avLst/>
           </a:prstGeom>
         </p:spPr>
       </p:pic>
-      <p:sp>
-        <p:nvSpPr>
-          <p:cNvPr id="5" name="Rectangle 4"/>
-          <p:cNvSpPr/>
-          <p:nvPr/>
-        </p:nvSpPr>
-        <p:spPr>
-          <a:xfrm>
-            <a:off x="3973461" y="1961635"/>
-            <a:ext cx="10223230" cy="13251571"/>
-          </a:xfrm>
-          <a:prstGeom prst="rect">
-            <a:avLst/>
-          </a:prstGeom>
-          <a:noFill/>
-          <a:ln w="38100" cmpd="sng">
-            <a:solidFill>
-              <a:schemeClr val="tx1"/>
-            </a:solidFill>
-          </a:ln>
-          <a:effectLst/>
-        </p:spPr>
-        <p:style>
-          <a:lnRef idx="1">
-            <a:schemeClr val="accent1"/>
-          </a:lnRef>
-          <a:fillRef idx="3">
-            <a:schemeClr val="accent1"/>
-          </a:fillRef>
-          <a:effectRef idx="2">
-            <a:schemeClr val="accent1"/>
-          </a:effectRef>
-          <a:fontRef idx="minor">
-            <a:schemeClr val="lt1"/>
-          </a:fontRef>
-        </p:style>
-        <p:txBody>
-          <a:bodyPr lIns="143990" tIns="71995" rIns="143990" bIns="71995" rtlCol="0" anchor="ctr"/>
-          <a:lstStyle/>
-          <a:p>
-            <a:pPr algn="ctr"/>
-            <a:endParaRPr lang="en-US" sz="1800"/>
-          </a:p>
-        </p:txBody>
-      </p:sp>
-      <p:sp>
-        <p:nvSpPr>
-          <p:cNvPr id="6" name="Oval 5"/>
-          <p:cNvSpPr/>
-          <p:nvPr/>
-        </p:nvSpPr>
-        <p:spPr>
-          <a:xfrm>
-            <a:off x="7824397" y="5488713"/>
-            <a:ext cx="2459349" cy="729458"/>
-          </a:xfrm>
-          <a:prstGeom prst="ellipse">
-            <a:avLst/>
-          </a:prstGeom>
-          <a:noFill/>
-          <a:ln w="28575" cmpd="sng">
-            <a:solidFill>
-              <a:schemeClr val="tx1"/>
-            </a:solidFill>
-          </a:ln>
-          <a:effectLst/>
-        </p:spPr>
-        <p:style>
-          <a:lnRef idx="1">
-            <a:schemeClr val="accent1"/>
-          </a:lnRef>
-          <a:fillRef idx="3">
-            <a:schemeClr val="accent1"/>
-          </a:fillRef>
-          <a:effectRef idx="2">
-            <a:schemeClr val="accent1"/>
-          </a:effectRef>
-          <a:fontRef idx="minor">
-            <a:schemeClr val="lt1"/>
-          </a:fontRef>
-        </p:style>
-        <p:txBody>
-          <a:bodyPr lIns="143990" tIns="71995" rIns="143990" bIns="71995" rtlCol="0" anchor="ctr"/>
-          <a:lstStyle/>
-          <a:p>
-            <a:pPr algn="ctr"/>
-            <a:r>
-              <a:rPr lang="en-US" sz="1800" dirty="0" smtClean="0">
-                <a:solidFill>
-                  <a:schemeClr val="tx1"/>
-                </a:solidFill>
-              </a:rPr>
-              <a:t>Share tutorial to Facebook</a:t>
-            </a:r>
-            <a:endParaRPr lang="en-US" sz="1800" dirty="0">
-              <a:solidFill>
-                <a:schemeClr val="tx1"/>
-              </a:solidFill>
-            </a:endParaRPr>
-          </a:p>
-        </p:txBody>
-      </p:sp>
-      <p:sp>
-        <p:nvSpPr>
-          <p:cNvPr id="7" name="Oval 6"/>
-          <p:cNvSpPr/>
-          <p:nvPr/>
-        </p:nvSpPr>
-        <p:spPr>
-          <a:xfrm>
-            <a:off x="8249232" y="7484921"/>
-            <a:ext cx="1784746" cy="672029"/>
-          </a:xfrm>
-          <a:prstGeom prst="ellipse">
-            <a:avLst/>
-          </a:prstGeom>
-          <a:noFill/>
-          <a:ln w="28575" cmpd="sng">
-            <a:solidFill>
-              <a:schemeClr val="tx1"/>
-            </a:solidFill>
-          </a:ln>
-          <a:effectLst/>
-        </p:spPr>
-        <p:style>
-          <a:lnRef idx="1">
-            <a:schemeClr val="accent1"/>
-          </a:lnRef>
-          <a:fillRef idx="3">
-            <a:schemeClr val="accent1"/>
-          </a:fillRef>
-          <a:effectRef idx="2">
-            <a:schemeClr val="accent1"/>
-          </a:effectRef>
-          <a:fontRef idx="minor">
-            <a:schemeClr val="lt1"/>
-          </a:fontRef>
-        </p:style>
-        <p:txBody>
-          <a:bodyPr lIns="143990" tIns="71995" rIns="143990" bIns="71995" rtlCol="0" anchor="ctr"/>
-          <a:lstStyle/>
-          <a:p>
-            <a:pPr algn="ctr"/>
-            <a:r>
-              <a:rPr lang="en-US" sz="1800" dirty="0" smtClean="0">
-                <a:solidFill>
-                  <a:schemeClr val="tx1"/>
-                </a:solidFill>
-              </a:rPr>
-              <a:t>Manage tutorial</a:t>
-            </a:r>
-            <a:endParaRPr lang="en-US" sz="1800" dirty="0">
-              <a:solidFill>
-                <a:schemeClr val="tx1"/>
-              </a:solidFill>
-            </a:endParaRPr>
-          </a:p>
-        </p:txBody>
-      </p:sp>
-      <p:sp>
-        <p:nvSpPr>
-          <p:cNvPr id="8" name="Oval 7"/>
-          <p:cNvSpPr/>
-          <p:nvPr/>
-        </p:nvSpPr>
-        <p:spPr>
-          <a:xfrm>
-            <a:off x="7563303" y="9546752"/>
-            <a:ext cx="3101170" cy="1006599"/>
-          </a:xfrm>
-          <a:prstGeom prst="ellipse">
-            <a:avLst/>
-          </a:prstGeom>
-          <a:noFill/>
-          <a:ln w="28575" cmpd="sng">
-            <a:solidFill>
-              <a:schemeClr val="tx1"/>
-            </a:solidFill>
-          </a:ln>
-          <a:effectLst/>
-        </p:spPr>
-        <p:style>
-          <a:lnRef idx="1">
-            <a:schemeClr val="accent1"/>
-          </a:lnRef>
-          <a:fillRef idx="3">
-            <a:schemeClr val="accent1"/>
-          </a:fillRef>
-          <a:effectRef idx="2">
-            <a:schemeClr val="accent1"/>
-          </a:effectRef>
-          <a:fontRef idx="minor">
-            <a:schemeClr val="lt1"/>
-          </a:fontRef>
-        </p:style>
-        <p:txBody>
-          <a:bodyPr lIns="143990" tIns="71995" rIns="143990" bIns="71995" rtlCol="0" anchor="ctr"/>
-          <a:lstStyle/>
-          <a:p>
-            <a:pPr algn="ctr"/>
-            <a:r>
-              <a:rPr lang="en-US" sz="1800" dirty="0" smtClean="0">
-                <a:solidFill>
-                  <a:schemeClr val="tx1"/>
-                </a:solidFill>
-              </a:rPr>
-              <a:t>Communicate via comments and likes</a:t>
-            </a:r>
-            <a:endParaRPr lang="en-US" sz="1800" dirty="0">
-              <a:solidFill>
-                <a:schemeClr val="tx1"/>
-              </a:solidFill>
-            </a:endParaRPr>
-          </a:p>
-        </p:txBody>
-      </p:sp>
-      <p:sp>
-        <p:nvSpPr>
-          <p:cNvPr id="9" name="Oval 8"/>
-          <p:cNvSpPr/>
-          <p:nvPr/>
-        </p:nvSpPr>
-        <p:spPr>
-          <a:xfrm>
-            <a:off x="8057975" y="8503688"/>
-            <a:ext cx="2122319" cy="949828"/>
-          </a:xfrm>
-          <a:prstGeom prst="ellipse">
-            <a:avLst/>
-          </a:prstGeom>
-          <a:noFill/>
-          <a:ln w="28575" cmpd="sng">
-            <a:solidFill>
-              <a:schemeClr val="tx1"/>
-            </a:solidFill>
-          </a:ln>
-          <a:effectLst/>
-        </p:spPr>
-        <p:style>
-          <a:lnRef idx="1">
-            <a:schemeClr val="accent1"/>
-          </a:lnRef>
-          <a:fillRef idx="3">
-            <a:schemeClr val="accent1"/>
-          </a:fillRef>
-          <a:effectRef idx="2">
-            <a:schemeClr val="accent1"/>
-          </a:effectRef>
-          <a:fontRef idx="minor">
-            <a:schemeClr val="lt1"/>
-          </a:fontRef>
-        </p:style>
-        <p:txBody>
-          <a:bodyPr lIns="143990" tIns="71995" rIns="143990" bIns="71995" rtlCol="0" anchor="ctr"/>
-          <a:lstStyle/>
-          <a:p>
-            <a:pPr algn="ctr"/>
-            <a:r>
-              <a:rPr lang="en-US" sz="1800" dirty="0" smtClean="0">
-                <a:solidFill>
-                  <a:schemeClr val="tx1"/>
-                </a:solidFill>
-              </a:rPr>
-              <a:t>Follow other bloggers</a:t>
-            </a:r>
-            <a:endParaRPr lang="en-US" sz="1800" dirty="0">
-              <a:solidFill>
-                <a:schemeClr val="tx1"/>
-              </a:solidFill>
-            </a:endParaRPr>
-          </a:p>
-        </p:txBody>
-      </p:sp>
-      <p:sp>
-        <p:nvSpPr>
-          <p:cNvPr id="11" name="Oval 10"/>
-          <p:cNvSpPr/>
-          <p:nvPr/>
-        </p:nvSpPr>
-        <p:spPr>
-          <a:xfrm>
-            <a:off x="8018041" y="10921188"/>
-            <a:ext cx="2253917" cy="942064"/>
-          </a:xfrm>
-          <a:prstGeom prst="ellipse">
-            <a:avLst/>
-          </a:prstGeom>
-          <a:noFill/>
-          <a:ln w="28575" cmpd="sng">
-            <a:solidFill>
-              <a:schemeClr val="tx1"/>
-            </a:solidFill>
-          </a:ln>
-          <a:effectLst/>
-        </p:spPr>
-        <p:style>
-          <a:lnRef idx="1">
-            <a:schemeClr val="accent1"/>
-          </a:lnRef>
-          <a:fillRef idx="3">
-            <a:schemeClr val="accent1"/>
-          </a:fillRef>
-          <a:effectRef idx="2">
-            <a:schemeClr val="accent1"/>
-          </a:effectRef>
-          <a:fontRef idx="minor">
-            <a:schemeClr val="lt1"/>
-          </a:fontRef>
-        </p:style>
-        <p:txBody>
-          <a:bodyPr lIns="143990" tIns="71995" rIns="143990" bIns="71995" rtlCol="0" anchor="ctr"/>
-          <a:lstStyle/>
-          <a:p>
-            <a:pPr algn="ctr"/>
-            <a:r>
-              <a:rPr lang="en-US" sz="1800" dirty="0" smtClean="0">
-                <a:solidFill>
-                  <a:schemeClr val="tx1"/>
-                </a:solidFill>
-              </a:rPr>
-              <a:t>Send private messages</a:t>
-            </a:r>
-            <a:endParaRPr lang="en-US" sz="1800" dirty="0">
-              <a:solidFill>
-                <a:schemeClr val="tx1"/>
-              </a:solidFill>
-            </a:endParaRPr>
-          </a:p>
-        </p:txBody>
-      </p:sp>
-      <p:sp>
-        <p:nvSpPr>
-          <p:cNvPr id="12" name="Oval 11"/>
-          <p:cNvSpPr/>
-          <p:nvPr/>
-        </p:nvSpPr>
-        <p:spPr>
-          <a:xfrm>
-            <a:off x="8080236" y="11990027"/>
-            <a:ext cx="2276986" cy="729458"/>
-          </a:xfrm>
-          <a:prstGeom prst="ellipse">
-            <a:avLst/>
-          </a:prstGeom>
-          <a:noFill/>
-          <a:ln w="28575" cmpd="sng">
-            <a:solidFill>
-              <a:schemeClr val="tx1"/>
-            </a:solidFill>
-          </a:ln>
-          <a:effectLst/>
-        </p:spPr>
-        <p:style>
-          <a:lnRef idx="1">
-            <a:schemeClr val="accent1"/>
-          </a:lnRef>
-          <a:fillRef idx="3">
-            <a:schemeClr val="accent1"/>
-          </a:fillRef>
-          <a:effectRef idx="2">
-            <a:schemeClr val="accent1"/>
-          </a:effectRef>
-          <a:fontRef idx="minor">
-            <a:schemeClr val="lt1"/>
-          </a:fontRef>
-        </p:style>
-        <p:txBody>
-          <a:bodyPr lIns="143990" tIns="71995" rIns="143990" bIns="71995" rtlCol="0" anchor="ctr"/>
-          <a:lstStyle/>
-          <a:p>
-            <a:pPr algn="ctr"/>
-            <a:r>
-              <a:rPr lang="en-US" sz="1800" dirty="0" smtClean="0">
-                <a:solidFill>
-                  <a:schemeClr val="tx1"/>
-                </a:solidFill>
-              </a:rPr>
-              <a:t>Get notification</a:t>
-            </a:r>
-            <a:endParaRPr lang="en-US" sz="1800" dirty="0">
-              <a:solidFill>
-                <a:schemeClr val="tx1"/>
-              </a:solidFill>
-            </a:endParaRPr>
-          </a:p>
-        </p:txBody>
-      </p:sp>
-      <p:sp>
-        <p:nvSpPr>
-          <p:cNvPr id="13" name="Oval 12"/>
-          <p:cNvSpPr/>
-          <p:nvPr/>
-        </p:nvSpPr>
-        <p:spPr>
-          <a:xfrm>
-            <a:off x="8574245" y="6424588"/>
-            <a:ext cx="1190364" cy="698227"/>
-          </a:xfrm>
-          <a:prstGeom prst="ellipse">
-            <a:avLst/>
-          </a:prstGeom>
-          <a:noFill/>
-          <a:ln w="28575" cmpd="sng">
-            <a:solidFill>
-              <a:schemeClr val="tx1"/>
-            </a:solidFill>
-          </a:ln>
-          <a:effectLst/>
-        </p:spPr>
-        <p:style>
-          <a:lnRef idx="1">
-            <a:schemeClr val="accent1"/>
-          </a:lnRef>
-          <a:fillRef idx="3">
-            <a:schemeClr val="accent1"/>
-          </a:fillRef>
-          <a:effectRef idx="2">
-            <a:schemeClr val="accent1"/>
-          </a:effectRef>
-          <a:fontRef idx="minor">
-            <a:schemeClr val="lt1"/>
-          </a:fontRef>
-        </p:style>
-        <p:txBody>
-          <a:bodyPr lIns="143990" tIns="71995" rIns="143990" bIns="71995" rtlCol="0" anchor="ctr"/>
-          <a:lstStyle/>
-          <a:p>
-            <a:pPr algn="ctr"/>
-            <a:r>
-              <a:rPr lang="en-US" sz="1800" dirty="0" smtClean="0">
-                <a:solidFill>
-                  <a:schemeClr val="tx1"/>
-                </a:solidFill>
-              </a:rPr>
-              <a:t>Log in</a:t>
-            </a:r>
-            <a:endParaRPr lang="en-US" sz="1800" dirty="0">
-              <a:solidFill>
-                <a:schemeClr val="tx1"/>
-              </a:solidFill>
-            </a:endParaRPr>
-          </a:p>
-        </p:txBody>
-      </p:sp>
-      <p:sp>
-        <p:nvSpPr>
-          <p:cNvPr id="14" name="Oval 13"/>
-          <p:cNvSpPr/>
-          <p:nvPr/>
-        </p:nvSpPr>
-        <p:spPr>
-          <a:xfrm>
-            <a:off x="8068619" y="13823437"/>
-            <a:ext cx="2053652" cy="698227"/>
-          </a:xfrm>
-          <a:prstGeom prst="ellipse">
-            <a:avLst/>
-          </a:prstGeom>
-          <a:noFill/>
-          <a:ln w="28575" cmpd="sng">
-            <a:solidFill>
-              <a:schemeClr val="tx1"/>
-            </a:solidFill>
-          </a:ln>
-          <a:effectLst/>
-        </p:spPr>
-        <p:style>
-          <a:lnRef idx="1">
-            <a:schemeClr val="accent1"/>
-          </a:lnRef>
-          <a:fillRef idx="3">
-            <a:schemeClr val="accent1"/>
-          </a:fillRef>
-          <a:effectRef idx="2">
-            <a:schemeClr val="accent1"/>
-          </a:effectRef>
-          <a:fontRef idx="minor">
-            <a:schemeClr val="lt1"/>
-          </a:fontRef>
-        </p:style>
-        <p:txBody>
-          <a:bodyPr lIns="143990" tIns="71995" rIns="143990" bIns="71995" rtlCol="0" anchor="ctr"/>
-          <a:lstStyle/>
-          <a:p>
-            <a:pPr algn="ctr"/>
-            <a:r>
-              <a:rPr lang="en-US" sz="1800" dirty="0" smtClean="0">
-                <a:solidFill>
-                  <a:schemeClr val="tx1"/>
-                </a:solidFill>
-              </a:rPr>
-              <a:t>Log out</a:t>
-            </a:r>
-            <a:endParaRPr lang="en-US" sz="1800" dirty="0">
-              <a:solidFill>
-                <a:schemeClr val="tx1"/>
-              </a:solidFill>
-            </a:endParaRPr>
-          </a:p>
-        </p:txBody>
-      </p:sp>
-      <p:cxnSp>
-        <p:nvCxnSpPr>
-          <p:cNvPr id="16" name="Straight Connector 15"/>
-          <p:cNvCxnSpPr>
-            <a:endCxn id="13" idx="2"/>
-          </p:cNvCxnSpPr>
-          <p:nvPr/>
-        </p:nvCxnSpPr>
-        <p:spPr>
-          <a:xfrm flipV="1">
-            <a:off x="3691229" y="6773702"/>
-            <a:ext cx="4883016" cy="4585285"/>
-          </a:xfrm>
-          <a:prstGeom prst="line">
-            <a:avLst/>
-          </a:prstGeom>
-          <a:ln w="19050" cmpd="sng">
-            <a:solidFill>
-              <a:schemeClr val="tx1"/>
-            </a:solidFill>
-          </a:ln>
-          <a:effectLst/>
-        </p:spPr>
-        <p:style>
-          <a:lnRef idx="2">
-            <a:schemeClr val="accent1"/>
-          </a:lnRef>
-          <a:fillRef idx="0">
-            <a:schemeClr val="accent1"/>
-          </a:fillRef>
-          <a:effectRef idx="1">
-            <a:schemeClr val="accent1"/>
-          </a:effectRef>
-          <a:fontRef idx="minor">
-            <a:schemeClr val="tx1"/>
-          </a:fontRef>
-        </p:style>
-      </p:cxnSp>
-      <p:cxnSp>
-        <p:nvCxnSpPr>
-          <p:cNvPr id="17" name="Straight Connector 16"/>
-          <p:cNvCxnSpPr>
-            <a:endCxn id="34" idx="2"/>
-          </p:cNvCxnSpPr>
-          <p:nvPr/>
-        </p:nvCxnSpPr>
-        <p:spPr>
-          <a:xfrm flipV="1">
-            <a:off x="3691229" y="4497124"/>
-            <a:ext cx="4483050" cy="1721047"/>
-          </a:xfrm>
-          <a:prstGeom prst="line">
-            <a:avLst/>
-          </a:prstGeom>
-          <a:ln w="19050" cmpd="sng">
-            <a:solidFill>
-              <a:schemeClr val="tx1"/>
-            </a:solidFill>
-          </a:ln>
-          <a:effectLst/>
-        </p:spPr>
-        <p:style>
-          <a:lnRef idx="2">
-            <a:schemeClr val="accent1"/>
-          </a:lnRef>
-          <a:fillRef idx="0">
-            <a:schemeClr val="accent1"/>
-          </a:fillRef>
-          <a:effectRef idx="1">
-            <a:schemeClr val="accent1"/>
-          </a:effectRef>
-          <a:fontRef idx="minor">
-            <a:schemeClr val="tx1"/>
-          </a:fontRef>
-        </p:style>
-      </p:cxnSp>
-      <p:cxnSp>
-        <p:nvCxnSpPr>
-          <p:cNvPr id="18" name="Straight Connector 17"/>
-          <p:cNvCxnSpPr>
-            <a:endCxn id="6" idx="2"/>
-          </p:cNvCxnSpPr>
-          <p:nvPr/>
-        </p:nvCxnSpPr>
-        <p:spPr>
-          <a:xfrm flipV="1">
-            <a:off x="3691229" y="5853442"/>
-            <a:ext cx="4133168" cy="651295"/>
-          </a:xfrm>
-          <a:prstGeom prst="line">
-            <a:avLst/>
-          </a:prstGeom>
-          <a:ln w="19050" cmpd="sng">
-            <a:solidFill>
-              <a:schemeClr val="tx1"/>
-            </a:solidFill>
-          </a:ln>
-          <a:effectLst/>
-        </p:spPr>
-        <p:style>
-          <a:lnRef idx="2">
-            <a:schemeClr val="accent1"/>
-          </a:lnRef>
-          <a:fillRef idx="0">
-            <a:schemeClr val="accent1"/>
-          </a:fillRef>
-          <a:effectRef idx="1">
-            <a:schemeClr val="accent1"/>
-          </a:effectRef>
-          <a:fontRef idx="minor">
-            <a:schemeClr val="tx1"/>
-          </a:fontRef>
-        </p:style>
-      </p:cxnSp>
-      <p:cxnSp>
-        <p:nvCxnSpPr>
-          <p:cNvPr id="19" name="Straight Connector 18"/>
-          <p:cNvCxnSpPr>
-            <a:endCxn id="7" idx="2"/>
-          </p:cNvCxnSpPr>
-          <p:nvPr/>
-        </p:nvCxnSpPr>
-        <p:spPr>
-          <a:xfrm flipV="1">
-            <a:off x="3691229" y="7820936"/>
-            <a:ext cx="4558003" cy="3746887"/>
-          </a:xfrm>
-          <a:prstGeom prst="line">
-            <a:avLst/>
-          </a:prstGeom>
-          <a:ln w="19050" cmpd="sng">
-            <a:solidFill>
-              <a:schemeClr val="tx1"/>
-            </a:solidFill>
-          </a:ln>
-          <a:effectLst/>
-        </p:spPr>
-        <p:style>
-          <a:lnRef idx="2">
-            <a:schemeClr val="accent1"/>
-          </a:lnRef>
-          <a:fillRef idx="0">
-            <a:schemeClr val="accent1"/>
-          </a:fillRef>
-          <a:effectRef idx="1">
-            <a:schemeClr val="accent1"/>
-          </a:effectRef>
-          <a:fontRef idx="minor">
-            <a:schemeClr val="tx1"/>
-          </a:fontRef>
-        </p:style>
-      </p:cxnSp>
-      <p:cxnSp>
-        <p:nvCxnSpPr>
-          <p:cNvPr id="20" name="Straight Connector 19"/>
-          <p:cNvCxnSpPr>
-            <a:endCxn id="9" idx="2"/>
-          </p:cNvCxnSpPr>
-          <p:nvPr/>
-        </p:nvCxnSpPr>
-        <p:spPr>
-          <a:xfrm flipV="1">
-            <a:off x="3691229" y="8978602"/>
-            <a:ext cx="4366746" cy="2790479"/>
-          </a:xfrm>
-          <a:prstGeom prst="line">
-            <a:avLst/>
-          </a:prstGeom>
-          <a:ln w="19050" cmpd="sng">
-            <a:solidFill>
-              <a:schemeClr val="tx1"/>
-            </a:solidFill>
-          </a:ln>
-          <a:effectLst/>
-        </p:spPr>
-        <p:style>
-          <a:lnRef idx="2">
-            <a:schemeClr val="accent1"/>
-          </a:lnRef>
-          <a:fillRef idx="0">
-            <a:schemeClr val="accent1"/>
-          </a:fillRef>
-          <a:effectRef idx="1">
-            <a:schemeClr val="accent1"/>
-          </a:effectRef>
-          <a:fontRef idx="minor">
-            <a:schemeClr val="tx1"/>
-          </a:fontRef>
-        </p:style>
-      </p:cxnSp>
-      <p:cxnSp>
-        <p:nvCxnSpPr>
-          <p:cNvPr id="21" name="Straight Connector 20"/>
-          <p:cNvCxnSpPr>
-            <a:endCxn id="8" idx="2"/>
-          </p:cNvCxnSpPr>
-          <p:nvPr/>
-        </p:nvCxnSpPr>
-        <p:spPr>
-          <a:xfrm flipV="1">
-            <a:off x="3691229" y="10050052"/>
-            <a:ext cx="3872074" cy="1909794"/>
-          </a:xfrm>
-          <a:prstGeom prst="line">
-            <a:avLst/>
-          </a:prstGeom>
-          <a:ln w="19050" cmpd="sng">
-            <a:solidFill>
-              <a:schemeClr val="tx1"/>
-            </a:solidFill>
-          </a:ln>
-          <a:effectLst/>
-        </p:spPr>
-        <p:style>
-          <a:lnRef idx="2">
-            <a:schemeClr val="accent1"/>
-          </a:lnRef>
-          <a:fillRef idx="0">
-            <a:schemeClr val="accent1"/>
-          </a:fillRef>
-          <a:effectRef idx="1">
-            <a:schemeClr val="accent1"/>
-          </a:effectRef>
-          <a:fontRef idx="minor">
-            <a:schemeClr val="tx1"/>
-          </a:fontRef>
-        </p:style>
-      </p:cxnSp>
-      <p:cxnSp>
-        <p:nvCxnSpPr>
-          <p:cNvPr id="23" name="Straight Connector 22"/>
-          <p:cNvCxnSpPr>
-            <a:endCxn id="11" idx="2"/>
-          </p:cNvCxnSpPr>
-          <p:nvPr/>
-        </p:nvCxnSpPr>
-        <p:spPr>
-          <a:xfrm flipV="1">
-            <a:off x="3691229" y="11392220"/>
-            <a:ext cx="4326812" cy="777706"/>
-          </a:xfrm>
-          <a:prstGeom prst="line">
-            <a:avLst/>
-          </a:prstGeom>
-          <a:ln w="19050" cmpd="sng">
-            <a:solidFill>
-              <a:schemeClr val="tx1"/>
-            </a:solidFill>
-          </a:ln>
-          <a:effectLst/>
-        </p:spPr>
-        <p:style>
-          <a:lnRef idx="2">
-            <a:schemeClr val="accent1"/>
-          </a:lnRef>
-          <a:fillRef idx="0">
-            <a:schemeClr val="accent1"/>
-          </a:fillRef>
-          <a:effectRef idx="1">
-            <a:schemeClr val="accent1"/>
-          </a:effectRef>
-          <a:fontRef idx="minor">
-            <a:schemeClr val="tx1"/>
-          </a:fontRef>
-        </p:style>
-      </p:cxnSp>
-      <p:cxnSp>
-        <p:nvCxnSpPr>
-          <p:cNvPr id="24" name="Straight Connector 23"/>
-          <p:cNvCxnSpPr>
-            <a:endCxn id="12" idx="2"/>
-          </p:cNvCxnSpPr>
-          <p:nvPr/>
-        </p:nvCxnSpPr>
-        <p:spPr>
-          <a:xfrm>
-            <a:off x="3691229" y="12354756"/>
-            <a:ext cx="4389007" cy="0"/>
-          </a:xfrm>
-          <a:prstGeom prst="line">
-            <a:avLst/>
-          </a:prstGeom>
-          <a:ln w="19050" cmpd="sng">
-            <a:solidFill>
-              <a:schemeClr val="tx1"/>
-            </a:solidFill>
-          </a:ln>
-          <a:effectLst/>
-        </p:spPr>
-        <p:style>
-          <a:lnRef idx="2">
-            <a:schemeClr val="accent1"/>
-          </a:lnRef>
-          <a:fillRef idx="0">
-            <a:schemeClr val="accent1"/>
-          </a:fillRef>
-          <a:effectRef idx="1">
-            <a:schemeClr val="accent1"/>
-          </a:effectRef>
-          <a:fontRef idx="minor">
-            <a:schemeClr val="tx1"/>
-          </a:fontRef>
-        </p:style>
-      </p:cxnSp>
-      <p:cxnSp>
-        <p:nvCxnSpPr>
-          <p:cNvPr id="25" name="Straight Connector 24"/>
-          <p:cNvCxnSpPr>
-            <a:endCxn id="14" idx="2"/>
-          </p:cNvCxnSpPr>
-          <p:nvPr/>
-        </p:nvCxnSpPr>
-        <p:spPr>
-          <a:xfrm>
-            <a:off x="3691229" y="12849007"/>
-            <a:ext cx="4377390" cy="1323544"/>
-          </a:xfrm>
-          <a:prstGeom prst="line">
-            <a:avLst/>
-          </a:prstGeom>
-          <a:ln w="19050" cmpd="sng">
-            <a:solidFill>
-              <a:schemeClr val="tx1"/>
-            </a:solidFill>
-          </a:ln>
-          <a:effectLst/>
-        </p:spPr>
-        <p:style>
-          <a:lnRef idx="2">
-            <a:schemeClr val="accent1"/>
-          </a:lnRef>
-          <a:fillRef idx="0">
-            <a:schemeClr val="accent1"/>
-          </a:fillRef>
-          <a:effectRef idx="1">
-            <a:schemeClr val="accent1"/>
-          </a:effectRef>
-          <a:fontRef idx="minor">
-            <a:schemeClr val="tx1"/>
-          </a:fontRef>
-        </p:style>
-      </p:cxnSp>
-      <p:cxnSp>
-        <p:nvCxnSpPr>
-          <p:cNvPr id="26" name="Straight Connector 25"/>
-          <p:cNvCxnSpPr>
-            <a:stCxn id="6" idx="6"/>
-          </p:cNvCxnSpPr>
-          <p:nvPr/>
-        </p:nvCxnSpPr>
-        <p:spPr>
-          <a:xfrm>
-            <a:off x="10283746" y="5853442"/>
-            <a:ext cx="4236552" cy="1169521"/>
-          </a:xfrm>
-          <a:prstGeom prst="line">
-            <a:avLst/>
-          </a:prstGeom>
-          <a:ln w="19050" cmpd="sng">
-            <a:solidFill>
-              <a:schemeClr val="tx1"/>
-            </a:solidFill>
-          </a:ln>
-          <a:effectLst/>
-        </p:spPr>
-        <p:style>
-          <a:lnRef idx="2">
-            <a:schemeClr val="accent1"/>
-          </a:lnRef>
-          <a:fillRef idx="0">
-            <a:schemeClr val="accent1"/>
-          </a:fillRef>
-          <a:effectRef idx="1">
-            <a:schemeClr val="accent1"/>
-          </a:effectRef>
-          <a:fontRef idx="minor">
-            <a:schemeClr val="tx1"/>
-          </a:fontRef>
-        </p:style>
-      </p:cxnSp>
-      <p:sp>
-        <p:nvSpPr>
-          <p:cNvPr id="30" name="TextBox 29"/>
-          <p:cNvSpPr txBox="1"/>
-          <p:nvPr/>
-        </p:nvSpPr>
-        <p:spPr>
-          <a:xfrm>
-            <a:off x="14602978" y="7484921"/>
-            <a:ext cx="1500906" cy="422395"/>
-          </a:xfrm>
-          <a:prstGeom prst="rect">
-            <a:avLst/>
-          </a:prstGeom>
-          <a:noFill/>
-        </p:spPr>
-        <p:txBody>
-          <a:bodyPr wrap="square" lIns="143990" tIns="71995" rIns="143990" bIns="71995" rtlCol="0">
-            <a:spAutoFit/>
-          </a:bodyPr>
-          <a:lstStyle/>
-          <a:p>
-            <a:r>
-              <a:rPr lang="en-US" sz="1800" b="1" dirty="0"/>
-              <a:t>Facebook</a:t>
-            </a:r>
-          </a:p>
-        </p:txBody>
-      </p:sp>
-      <p:sp>
-        <p:nvSpPr>
-          <p:cNvPr id="32" name="Oval 31"/>
-          <p:cNvSpPr/>
-          <p:nvPr/>
-        </p:nvSpPr>
-        <p:spPr>
-          <a:xfrm>
-            <a:off x="10608662" y="4780196"/>
-            <a:ext cx="1960952" cy="825572"/>
-          </a:xfrm>
-          <a:prstGeom prst="ellipse">
-            <a:avLst/>
-          </a:prstGeom>
-          <a:noFill/>
-          <a:ln w="28575" cmpd="sng">
-            <a:solidFill>
-              <a:schemeClr val="tx1"/>
-            </a:solidFill>
-          </a:ln>
-          <a:effectLst/>
-        </p:spPr>
-        <p:style>
-          <a:lnRef idx="1">
-            <a:schemeClr val="accent1"/>
-          </a:lnRef>
-          <a:fillRef idx="3">
-            <a:schemeClr val="accent1"/>
-          </a:fillRef>
-          <a:effectRef idx="2">
-            <a:schemeClr val="accent1"/>
-          </a:effectRef>
-          <a:fontRef idx="minor">
-            <a:schemeClr val="lt1"/>
-          </a:fontRef>
-        </p:style>
-        <p:txBody>
-          <a:bodyPr lIns="143990" tIns="71995" rIns="143990" bIns="71995" rtlCol="0" anchor="ctr"/>
-          <a:lstStyle/>
-          <a:p>
-            <a:pPr algn="ctr"/>
-            <a:r>
-              <a:rPr lang="en-US" sz="1800" dirty="0" smtClean="0">
-                <a:solidFill>
-                  <a:schemeClr val="tx1"/>
-                </a:solidFill>
-              </a:rPr>
-              <a:t>See tutorial detail</a:t>
-            </a:r>
-            <a:endParaRPr lang="en-US" sz="1800" dirty="0">
-              <a:solidFill>
-                <a:schemeClr val="tx1"/>
-              </a:solidFill>
-            </a:endParaRPr>
-          </a:p>
-        </p:txBody>
-      </p:sp>
-      <p:sp>
-        <p:nvSpPr>
-          <p:cNvPr id="34" name="Oval 33"/>
-          <p:cNvSpPr/>
-          <p:nvPr/>
-        </p:nvSpPr>
-        <p:spPr>
-          <a:xfrm>
-            <a:off x="8174279" y="4117177"/>
-            <a:ext cx="1660855" cy="759893"/>
-          </a:xfrm>
-          <a:prstGeom prst="ellipse">
-            <a:avLst/>
-          </a:prstGeom>
-          <a:noFill/>
-          <a:ln w="28575" cmpd="sng">
-            <a:solidFill>
-              <a:schemeClr val="tx1"/>
-            </a:solidFill>
-          </a:ln>
-          <a:effectLst/>
-        </p:spPr>
-        <p:style>
-          <a:lnRef idx="1">
-            <a:schemeClr val="accent1"/>
-          </a:lnRef>
-          <a:fillRef idx="3">
-            <a:schemeClr val="accent1"/>
-          </a:fillRef>
-          <a:effectRef idx="2">
-            <a:schemeClr val="accent1"/>
-          </a:effectRef>
-          <a:fontRef idx="minor">
-            <a:schemeClr val="lt1"/>
-          </a:fontRef>
-        </p:style>
-        <p:txBody>
-          <a:bodyPr lIns="143990" tIns="71995" rIns="143990" bIns="71995" rtlCol="0" anchor="ctr"/>
-          <a:lstStyle/>
-          <a:p>
-            <a:pPr algn="ctr"/>
-            <a:r>
-              <a:rPr lang="en-US" sz="1800" dirty="0" smtClean="0">
-                <a:solidFill>
-                  <a:schemeClr val="tx1"/>
-                </a:solidFill>
-              </a:rPr>
-              <a:t>Explore tutorials</a:t>
-            </a:r>
-            <a:endParaRPr lang="en-US" sz="1800" dirty="0">
-              <a:solidFill>
-                <a:schemeClr val="tx1"/>
-              </a:solidFill>
-            </a:endParaRPr>
-          </a:p>
-        </p:txBody>
-      </p:sp>
-      <p:sp>
-        <p:nvSpPr>
-          <p:cNvPr id="35" name="Oval 34"/>
-          <p:cNvSpPr/>
-          <p:nvPr/>
-        </p:nvSpPr>
-        <p:spPr>
-          <a:xfrm>
-            <a:off x="8280435" y="12849007"/>
-            <a:ext cx="1701748" cy="729458"/>
-          </a:xfrm>
-          <a:prstGeom prst="ellipse">
-            <a:avLst/>
-          </a:prstGeom>
-          <a:noFill/>
-          <a:ln w="28575" cmpd="sng">
-            <a:solidFill>
-              <a:schemeClr val="tx1"/>
-            </a:solidFill>
-          </a:ln>
-          <a:effectLst/>
-        </p:spPr>
-        <p:style>
-          <a:lnRef idx="1">
-            <a:schemeClr val="accent1"/>
-          </a:lnRef>
-          <a:fillRef idx="3">
-            <a:schemeClr val="accent1"/>
-          </a:fillRef>
-          <a:effectRef idx="2">
-            <a:schemeClr val="accent1"/>
-          </a:effectRef>
-          <a:fontRef idx="minor">
-            <a:schemeClr val="lt1"/>
-          </a:fontRef>
-        </p:style>
-        <p:txBody>
-          <a:bodyPr lIns="143990" tIns="71995" rIns="143990" bIns="71995" rtlCol="0" anchor="ctr"/>
-          <a:lstStyle/>
-          <a:p>
-            <a:pPr algn="ctr"/>
-            <a:r>
-              <a:rPr lang="en-US" sz="1800" dirty="0" smtClean="0">
-                <a:solidFill>
-                  <a:schemeClr val="tx1"/>
-                </a:solidFill>
-              </a:rPr>
-              <a:t>Manage Profile</a:t>
-            </a:r>
-            <a:endParaRPr lang="en-US" sz="1800" dirty="0">
-              <a:solidFill>
-                <a:schemeClr val="tx1"/>
-              </a:solidFill>
-            </a:endParaRPr>
-          </a:p>
-        </p:txBody>
-      </p:sp>
-      <p:cxnSp>
-        <p:nvCxnSpPr>
-          <p:cNvPr id="36" name="Straight Connector 35"/>
-          <p:cNvCxnSpPr>
-            <a:endCxn id="35" idx="2"/>
-          </p:cNvCxnSpPr>
-          <p:nvPr/>
-        </p:nvCxnSpPr>
-        <p:spPr>
-          <a:xfrm>
-            <a:off x="3691229" y="12570472"/>
-            <a:ext cx="4589206" cy="643264"/>
-          </a:xfrm>
-          <a:prstGeom prst="line">
-            <a:avLst/>
-          </a:prstGeom>
-          <a:ln w="19050" cmpd="sng">
-            <a:solidFill>
-              <a:schemeClr val="tx1"/>
-            </a:solidFill>
-          </a:ln>
-          <a:effectLst/>
-        </p:spPr>
-        <p:style>
-          <a:lnRef idx="2">
-            <a:schemeClr val="accent1"/>
-          </a:lnRef>
-          <a:fillRef idx="0">
-            <a:schemeClr val="accent1"/>
-          </a:fillRef>
-          <a:effectRef idx="1">
-            <a:schemeClr val="accent1"/>
-          </a:effectRef>
-          <a:fontRef idx="minor">
-            <a:schemeClr val="tx1"/>
-          </a:fontRef>
-        </p:style>
-      </p:cxnSp>
-      <p:sp>
-        <p:nvSpPr>
-          <p:cNvPr id="37" name="TextBox 36"/>
-          <p:cNvSpPr txBox="1"/>
-          <p:nvPr/>
-        </p:nvSpPr>
-        <p:spPr>
-          <a:xfrm>
-            <a:off x="6401559" y="2183393"/>
-            <a:ext cx="6024946" cy="667779"/>
-          </a:xfrm>
-          <a:prstGeom prst="rect">
-            <a:avLst/>
-          </a:prstGeom>
-          <a:noFill/>
-        </p:spPr>
-        <p:txBody>
-          <a:bodyPr wrap="square" lIns="143990" tIns="71995" rIns="143990" bIns="71995" rtlCol="0">
-            <a:spAutoFit/>
-          </a:bodyPr>
-          <a:lstStyle/>
-          <a:p>
-            <a:r>
-              <a:rPr lang="en-US" b="1" dirty="0" smtClean="0"/>
-              <a:t>HanDIYcraft Web Application</a:t>
-            </a:r>
-            <a:endParaRPr lang="en-US" b="1" dirty="0"/>
-          </a:p>
-        </p:txBody>
-      </p:sp>
-      <p:cxnSp>
-        <p:nvCxnSpPr>
-          <p:cNvPr id="38" name="Straight Arrow Connector 37"/>
-          <p:cNvCxnSpPr>
-            <a:stCxn id="32" idx="2"/>
-            <a:endCxn id="34" idx="5"/>
-          </p:cNvCxnSpPr>
-          <p:nvPr/>
-        </p:nvCxnSpPr>
-        <p:spPr>
-          <a:xfrm flipH="1" flipV="1">
-            <a:off x="9591907" y="4765786"/>
-            <a:ext cx="1016755" cy="427196"/>
-          </a:xfrm>
-          <a:prstGeom prst="straightConnector1">
-            <a:avLst/>
-          </a:prstGeom>
-          <a:ln w="38100" cmpd="sng">
-            <a:solidFill>
-              <a:schemeClr val="tx1"/>
-            </a:solidFill>
-            <a:prstDash val="dash"/>
-            <a:tailEnd type="arrow"/>
-          </a:ln>
-          <a:effectLst/>
-        </p:spPr>
-        <p:style>
-          <a:lnRef idx="2">
-            <a:schemeClr val="accent1"/>
-          </a:lnRef>
-          <a:fillRef idx="0">
-            <a:schemeClr val="accent1"/>
-          </a:fillRef>
-          <a:effectRef idx="1">
-            <a:schemeClr val="accent1"/>
-          </a:effectRef>
-          <a:fontRef idx="minor">
-            <a:schemeClr val="tx1"/>
-          </a:fontRef>
-        </p:style>
-      </p:cxnSp>
-      <p:sp>
-        <p:nvSpPr>
-          <p:cNvPr id="42" name="TextBox 41"/>
-          <p:cNvSpPr txBox="1"/>
-          <p:nvPr/>
-        </p:nvSpPr>
-        <p:spPr>
-          <a:xfrm>
-            <a:off x="2408994" y="7331273"/>
-            <a:ext cx="988725" cy="453173"/>
-          </a:xfrm>
-          <a:prstGeom prst="rect">
-            <a:avLst/>
-          </a:prstGeom>
-          <a:noFill/>
-        </p:spPr>
-        <p:txBody>
-          <a:bodyPr wrap="none" lIns="143990" tIns="71995" rIns="143990" bIns="71995" rtlCol="0">
-            <a:spAutoFit/>
-          </a:bodyPr>
-          <a:lstStyle/>
-          <a:p>
-            <a:r>
-              <a:rPr lang="en-US" sz="2000" b="1" dirty="0" smtClean="0"/>
-              <a:t>Visitor</a:t>
-            </a:r>
-            <a:endParaRPr lang="en-US" sz="2000" b="1" dirty="0"/>
-          </a:p>
-        </p:txBody>
-      </p:sp>
-      <p:sp>
-        <p:nvSpPr>
-          <p:cNvPr id="44" name="TextBox 43"/>
-          <p:cNvSpPr txBox="1"/>
-          <p:nvPr/>
-        </p:nvSpPr>
-        <p:spPr>
-          <a:xfrm>
-            <a:off x="2374746" y="12928425"/>
-            <a:ext cx="1370836" cy="422395"/>
-          </a:xfrm>
-          <a:prstGeom prst="rect">
-            <a:avLst/>
-          </a:prstGeom>
-          <a:noFill/>
-        </p:spPr>
-        <p:txBody>
-          <a:bodyPr wrap="square" lIns="143990" tIns="71995" rIns="143990" bIns="71995" rtlCol="0">
-            <a:spAutoFit/>
-          </a:bodyPr>
-          <a:lstStyle/>
-          <a:p>
-            <a:r>
-              <a:rPr lang="en-US" sz="1800" b="1" dirty="0"/>
-              <a:t>Bloggers</a:t>
-            </a:r>
-          </a:p>
-        </p:txBody>
-      </p:sp>
-      <p:cxnSp>
-        <p:nvCxnSpPr>
-          <p:cNvPr id="45" name="Straight Arrow Connector 44"/>
-          <p:cNvCxnSpPr>
-            <a:endCxn id="42" idx="2"/>
-          </p:cNvCxnSpPr>
-          <p:nvPr/>
-        </p:nvCxnSpPr>
-        <p:spPr>
-          <a:xfrm flipV="1">
-            <a:off x="2903357" y="7784446"/>
-            <a:ext cx="0" cy="2899802"/>
-          </a:xfrm>
-          <a:prstGeom prst="straightConnector1">
-            <a:avLst/>
-          </a:prstGeom>
-          <a:ln>
-            <a:solidFill>
-              <a:schemeClr val="tx1"/>
-            </a:solidFill>
-            <a:tailEnd type="arrow"/>
-          </a:ln>
-          <a:effectLst/>
-        </p:spPr>
-        <p:style>
-          <a:lnRef idx="2">
-            <a:schemeClr val="accent1"/>
-          </a:lnRef>
-          <a:fillRef idx="0">
-            <a:schemeClr val="accent1"/>
-          </a:fillRef>
-          <a:effectRef idx="1">
-            <a:schemeClr val="accent1"/>
-          </a:effectRef>
-          <a:fontRef idx="minor">
-            <a:schemeClr val="tx1"/>
-          </a:fontRef>
-        </p:style>
-      </p:cxnSp>
       <p:pic>
         <p:nvPicPr>
-          <p:cNvPr id="72" name="Picture 71" descr="aiga-toilet-men.png"/>
+          <p:cNvPr id="212" name="Picture 211" descr="facebook-logo.png"/>
           <p:cNvPicPr>
             <a:picLocks noChangeAspect="1"/>
           </p:cNvPicPr>
@@ -7401,24 +6113,1805 @@
         </p:blipFill>
         <p:spPr>
           <a:xfrm>
-            <a:off x="2408994" y="5278745"/>
-            <a:ext cx="953646" cy="2148623"/>
+            <a:off x="15114810" y="6046483"/>
+            <a:ext cx="1036299" cy="1036451"/>
           </a:xfrm>
           <a:prstGeom prst="rect">
             <a:avLst/>
           </a:prstGeom>
         </p:spPr>
       </p:pic>
+      <p:sp>
+        <p:nvSpPr>
+          <p:cNvPr id="213" name="Rectangle 212"/>
+          <p:cNvSpPr/>
+          <p:nvPr/>
+        </p:nvSpPr>
+        <p:spPr>
+          <a:xfrm>
+            <a:off x="3765625" y="2271240"/>
+            <a:ext cx="10652439" cy="13508226"/>
+          </a:xfrm>
+          <a:prstGeom prst="rect">
+            <a:avLst/>
+          </a:prstGeom>
+          <a:noFill/>
+          <a:ln w="38100" cmpd="sng">
+            <a:solidFill>
+              <a:schemeClr val="tx1"/>
+            </a:solidFill>
+          </a:ln>
+          <a:effectLst/>
+        </p:spPr>
+        <p:style>
+          <a:lnRef idx="1">
+            <a:schemeClr val="accent1"/>
+          </a:lnRef>
+          <a:fillRef idx="3">
+            <a:schemeClr val="accent1"/>
+          </a:fillRef>
+          <a:effectRef idx="2">
+            <a:schemeClr val="accent1"/>
+          </a:effectRef>
+          <a:fontRef idx="minor">
+            <a:schemeClr val="lt1"/>
+          </a:fontRef>
+        </p:style>
+        <p:txBody>
+          <a:bodyPr lIns="143990" tIns="71995" rIns="143990" bIns="71995" rtlCol="0" anchor="ctr"/>
+          <a:lstStyle/>
+          <a:p>
+            <a:pPr algn="ctr"/>
+            <a:endParaRPr lang="en-US" sz="1800"/>
+          </a:p>
+        </p:txBody>
+      </p:sp>
+      <p:sp>
+        <p:nvSpPr>
+          <p:cNvPr id="214" name="Oval 213"/>
+          <p:cNvSpPr/>
+          <p:nvPr/>
+        </p:nvSpPr>
+        <p:spPr>
+          <a:xfrm>
+            <a:off x="7378643" y="5383829"/>
+            <a:ext cx="2459349" cy="729458"/>
+          </a:xfrm>
+          <a:prstGeom prst="ellipse">
+            <a:avLst/>
+          </a:prstGeom>
+          <a:noFill/>
+          <a:ln w="28575" cmpd="sng">
+            <a:solidFill>
+              <a:schemeClr val="tx1"/>
+            </a:solidFill>
+          </a:ln>
+          <a:effectLst/>
+        </p:spPr>
+        <p:style>
+          <a:lnRef idx="1">
+            <a:schemeClr val="accent1"/>
+          </a:lnRef>
+          <a:fillRef idx="3">
+            <a:schemeClr val="accent1"/>
+          </a:fillRef>
+          <a:effectRef idx="2">
+            <a:schemeClr val="accent1"/>
+          </a:effectRef>
+          <a:fontRef idx="minor">
+            <a:schemeClr val="lt1"/>
+          </a:fontRef>
+        </p:style>
+        <p:txBody>
+          <a:bodyPr lIns="143990" tIns="71995" rIns="143990" bIns="71995" rtlCol="0" anchor="ctr"/>
+          <a:lstStyle/>
+          <a:p>
+            <a:pPr algn="ctr"/>
+            <a:r>
+              <a:rPr lang="en-US" sz="1800" dirty="0" smtClean="0">
+                <a:solidFill>
+                  <a:schemeClr val="tx1"/>
+                </a:solidFill>
+              </a:rPr>
+              <a:t>Share tutorial to Facebook</a:t>
+            </a:r>
+            <a:endParaRPr lang="en-US" sz="1800" dirty="0">
+              <a:solidFill>
+                <a:schemeClr val="tx1"/>
+              </a:solidFill>
+            </a:endParaRPr>
+          </a:p>
+        </p:txBody>
+      </p:sp>
+      <p:sp>
+        <p:nvSpPr>
+          <p:cNvPr id="215" name="Oval 214"/>
+          <p:cNvSpPr/>
+          <p:nvPr/>
+        </p:nvSpPr>
+        <p:spPr>
+          <a:xfrm>
+            <a:off x="7746388" y="6259407"/>
+            <a:ext cx="1784746" cy="672029"/>
+          </a:xfrm>
+          <a:prstGeom prst="ellipse">
+            <a:avLst/>
+          </a:prstGeom>
+          <a:noFill/>
+          <a:ln w="28575" cmpd="sng">
+            <a:solidFill>
+              <a:schemeClr val="tx1"/>
+            </a:solidFill>
+          </a:ln>
+          <a:effectLst/>
+        </p:spPr>
+        <p:style>
+          <a:lnRef idx="1">
+            <a:schemeClr val="accent1"/>
+          </a:lnRef>
+          <a:fillRef idx="3">
+            <a:schemeClr val="accent1"/>
+          </a:fillRef>
+          <a:effectRef idx="2">
+            <a:schemeClr val="accent1"/>
+          </a:effectRef>
+          <a:fontRef idx="minor">
+            <a:schemeClr val="lt1"/>
+          </a:fontRef>
+        </p:style>
+        <p:txBody>
+          <a:bodyPr lIns="143990" tIns="71995" rIns="143990" bIns="71995" rtlCol="0" anchor="ctr"/>
+          <a:lstStyle/>
+          <a:p>
+            <a:pPr algn="ctr"/>
+            <a:r>
+              <a:rPr lang="en-US" sz="1800" dirty="0" smtClean="0">
+                <a:solidFill>
+                  <a:schemeClr val="tx1"/>
+                </a:solidFill>
+              </a:rPr>
+              <a:t>Manage tutorial</a:t>
+            </a:r>
+            <a:endParaRPr lang="en-US" sz="1800" dirty="0">
+              <a:solidFill>
+                <a:schemeClr val="tx1"/>
+              </a:solidFill>
+            </a:endParaRPr>
+          </a:p>
+        </p:txBody>
+      </p:sp>
+      <p:sp>
+        <p:nvSpPr>
+          <p:cNvPr id="216" name="Oval 215"/>
+          <p:cNvSpPr/>
+          <p:nvPr/>
+        </p:nvSpPr>
+        <p:spPr>
+          <a:xfrm>
+            <a:off x="7105597" y="7063033"/>
+            <a:ext cx="3101170" cy="1006599"/>
+          </a:xfrm>
+          <a:prstGeom prst="ellipse">
+            <a:avLst/>
+          </a:prstGeom>
+          <a:noFill/>
+          <a:ln w="28575" cmpd="sng">
+            <a:solidFill>
+              <a:schemeClr val="tx1"/>
+            </a:solidFill>
+          </a:ln>
+          <a:effectLst/>
+        </p:spPr>
+        <p:style>
+          <a:lnRef idx="1">
+            <a:schemeClr val="accent1"/>
+          </a:lnRef>
+          <a:fillRef idx="3">
+            <a:schemeClr val="accent1"/>
+          </a:fillRef>
+          <a:effectRef idx="2">
+            <a:schemeClr val="accent1"/>
+          </a:effectRef>
+          <a:fontRef idx="minor">
+            <a:schemeClr val="lt1"/>
+          </a:fontRef>
+        </p:style>
+        <p:txBody>
+          <a:bodyPr lIns="143990" tIns="71995" rIns="143990" bIns="71995" rtlCol="0" anchor="ctr"/>
+          <a:lstStyle/>
+          <a:p>
+            <a:pPr algn="ctr"/>
+            <a:r>
+              <a:rPr lang="en-US" sz="1800" dirty="0" smtClean="0">
+                <a:solidFill>
+                  <a:schemeClr val="tx1"/>
+                </a:solidFill>
+              </a:rPr>
+              <a:t>Communicate via comments and likes</a:t>
+            </a:r>
+            <a:endParaRPr lang="en-US" sz="1800" dirty="0">
+              <a:solidFill>
+                <a:schemeClr val="tx1"/>
+              </a:solidFill>
+            </a:endParaRPr>
+          </a:p>
+        </p:txBody>
+      </p:sp>
+      <p:sp>
+        <p:nvSpPr>
+          <p:cNvPr id="217" name="Oval 216"/>
+          <p:cNvSpPr/>
+          <p:nvPr/>
+        </p:nvSpPr>
+        <p:spPr>
+          <a:xfrm>
+            <a:off x="7551816" y="8167454"/>
+            <a:ext cx="2122319" cy="949828"/>
+          </a:xfrm>
+          <a:prstGeom prst="ellipse">
+            <a:avLst/>
+          </a:prstGeom>
+          <a:noFill/>
+          <a:ln w="28575" cmpd="sng">
+            <a:solidFill>
+              <a:schemeClr val="tx1"/>
+            </a:solidFill>
+          </a:ln>
+          <a:effectLst/>
+        </p:spPr>
+        <p:style>
+          <a:lnRef idx="1">
+            <a:schemeClr val="accent1"/>
+          </a:lnRef>
+          <a:fillRef idx="3">
+            <a:schemeClr val="accent1"/>
+          </a:fillRef>
+          <a:effectRef idx="2">
+            <a:schemeClr val="accent1"/>
+          </a:effectRef>
+          <a:fontRef idx="minor">
+            <a:schemeClr val="lt1"/>
+          </a:fontRef>
+        </p:style>
+        <p:txBody>
+          <a:bodyPr lIns="143990" tIns="71995" rIns="143990" bIns="71995" rtlCol="0" anchor="ctr"/>
+          <a:lstStyle/>
+          <a:p>
+            <a:pPr algn="ctr"/>
+            <a:r>
+              <a:rPr lang="en-US" sz="1800" dirty="0" smtClean="0">
+                <a:solidFill>
+                  <a:schemeClr val="tx1"/>
+                </a:solidFill>
+              </a:rPr>
+              <a:t>Follow other bloggers</a:t>
+            </a:r>
+            <a:endParaRPr lang="en-US" sz="1800" dirty="0">
+              <a:solidFill>
+                <a:schemeClr val="tx1"/>
+              </a:solidFill>
+            </a:endParaRPr>
+          </a:p>
+        </p:txBody>
+      </p:sp>
+      <p:sp>
+        <p:nvSpPr>
+          <p:cNvPr id="218" name="Oval 217"/>
+          <p:cNvSpPr/>
+          <p:nvPr/>
+        </p:nvSpPr>
+        <p:spPr>
+          <a:xfrm>
+            <a:off x="7483994" y="10311006"/>
+            <a:ext cx="2253917" cy="942064"/>
+          </a:xfrm>
+          <a:prstGeom prst="ellipse">
+            <a:avLst/>
+          </a:prstGeom>
+          <a:noFill/>
+          <a:ln w="28575" cmpd="sng">
+            <a:solidFill>
+              <a:schemeClr val="tx1"/>
+            </a:solidFill>
+          </a:ln>
+          <a:effectLst/>
+        </p:spPr>
+        <p:style>
+          <a:lnRef idx="1">
+            <a:schemeClr val="accent1"/>
+          </a:lnRef>
+          <a:fillRef idx="3">
+            <a:schemeClr val="accent1"/>
+          </a:fillRef>
+          <a:effectRef idx="2">
+            <a:schemeClr val="accent1"/>
+          </a:effectRef>
+          <a:fontRef idx="minor">
+            <a:schemeClr val="lt1"/>
+          </a:fontRef>
+        </p:style>
+        <p:txBody>
+          <a:bodyPr lIns="143990" tIns="71995" rIns="143990" bIns="71995" rtlCol="0" anchor="ctr"/>
+          <a:lstStyle/>
+          <a:p>
+            <a:pPr algn="ctr"/>
+            <a:r>
+              <a:rPr lang="en-US" sz="1800" dirty="0" smtClean="0">
+                <a:solidFill>
+                  <a:schemeClr val="tx1"/>
+                </a:solidFill>
+              </a:rPr>
+              <a:t>Send private messages</a:t>
+            </a:r>
+            <a:endParaRPr lang="en-US" sz="1800" dirty="0">
+              <a:solidFill>
+                <a:schemeClr val="tx1"/>
+              </a:solidFill>
+            </a:endParaRPr>
+          </a:p>
+        </p:txBody>
+      </p:sp>
+      <p:sp>
+        <p:nvSpPr>
+          <p:cNvPr id="219" name="Oval 218"/>
+          <p:cNvSpPr/>
+          <p:nvPr/>
+        </p:nvSpPr>
+        <p:spPr>
+          <a:xfrm>
+            <a:off x="7546189" y="11379845"/>
+            <a:ext cx="2276986" cy="729458"/>
+          </a:xfrm>
+          <a:prstGeom prst="ellipse">
+            <a:avLst/>
+          </a:prstGeom>
+          <a:noFill/>
+          <a:ln w="28575" cmpd="sng">
+            <a:solidFill>
+              <a:schemeClr val="tx1"/>
+            </a:solidFill>
+          </a:ln>
+          <a:effectLst/>
+        </p:spPr>
+        <p:style>
+          <a:lnRef idx="1">
+            <a:schemeClr val="accent1"/>
+          </a:lnRef>
+          <a:fillRef idx="3">
+            <a:schemeClr val="accent1"/>
+          </a:fillRef>
+          <a:effectRef idx="2">
+            <a:schemeClr val="accent1"/>
+          </a:effectRef>
+          <a:fontRef idx="minor">
+            <a:schemeClr val="lt1"/>
+          </a:fontRef>
+        </p:style>
+        <p:txBody>
+          <a:bodyPr lIns="143990" tIns="71995" rIns="143990" bIns="71995" rtlCol="0" anchor="ctr"/>
+          <a:lstStyle/>
+          <a:p>
+            <a:pPr algn="ctr"/>
+            <a:r>
+              <a:rPr lang="en-US" sz="1800" dirty="0" smtClean="0">
+                <a:solidFill>
+                  <a:schemeClr val="tx1"/>
+                </a:solidFill>
+              </a:rPr>
+              <a:t>Get notification</a:t>
+            </a:r>
+            <a:endParaRPr lang="en-US" sz="1800" dirty="0">
+              <a:solidFill>
+                <a:schemeClr val="tx1"/>
+              </a:solidFill>
+            </a:endParaRPr>
+          </a:p>
+        </p:txBody>
+      </p:sp>
+      <p:sp>
+        <p:nvSpPr>
+          <p:cNvPr id="220" name="Oval 219"/>
+          <p:cNvSpPr/>
+          <p:nvPr/>
+        </p:nvSpPr>
+        <p:spPr>
+          <a:xfrm>
+            <a:off x="8121547" y="13954418"/>
+            <a:ext cx="1190364" cy="698227"/>
+          </a:xfrm>
+          <a:prstGeom prst="ellipse">
+            <a:avLst/>
+          </a:prstGeom>
+          <a:noFill/>
+          <a:ln w="28575" cmpd="sng">
+            <a:solidFill>
+              <a:schemeClr val="tx1"/>
+            </a:solidFill>
+          </a:ln>
+          <a:effectLst/>
+        </p:spPr>
+        <p:style>
+          <a:lnRef idx="1">
+            <a:schemeClr val="accent1"/>
+          </a:lnRef>
+          <a:fillRef idx="3">
+            <a:schemeClr val="accent1"/>
+          </a:fillRef>
+          <a:effectRef idx="2">
+            <a:schemeClr val="accent1"/>
+          </a:effectRef>
+          <a:fontRef idx="minor">
+            <a:schemeClr val="lt1"/>
+          </a:fontRef>
+        </p:style>
+        <p:txBody>
+          <a:bodyPr lIns="143990" tIns="71995" rIns="143990" bIns="71995" rtlCol="0" anchor="ctr"/>
+          <a:lstStyle/>
+          <a:p>
+            <a:pPr algn="ctr"/>
+            <a:r>
+              <a:rPr lang="en-US" sz="1800" dirty="0" smtClean="0">
+                <a:solidFill>
+                  <a:schemeClr val="tx1"/>
+                </a:solidFill>
+              </a:rPr>
+              <a:t>Log in</a:t>
+            </a:r>
+            <a:endParaRPr lang="en-US" sz="1800" dirty="0">
+              <a:solidFill>
+                <a:schemeClr val="tx1"/>
+              </a:solidFill>
+            </a:endParaRPr>
+          </a:p>
+        </p:txBody>
+      </p:sp>
+      <p:sp>
+        <p:nvSpPr>
+          <p:cNvPr id="221" name="Oval 220"/>
+          <p:cNvSpPr/>
+          <p:nvPr/>
+        </p:nvSpPr>
+        <p:spPr>
+          <a:xfrm>
+            <a:off x="7881412" y="14764018"/>
+            <a:ext cx="1430499" cy="742114"/>
+          </a:xfrm>
+          <a:prstGeom prst="ellipse">
+            <a:avLst/>
+          </a:prstGeom>
+          <a:noFill/>
+          <a:ln w="28575" cmpd="sng">
+            <a:solidFill>
+              <a:schemeClr val="tx1"/>
+            </a:solidFill>
+          </a:ln>
+          <a:effectLst/>
+        </p:spPr>
+        <p:style>
+          <a:lnRef idx="1">
+            <a:schemeClr val="accent1"/>
+          </a:lnRef>
+          <a:fillRef idx="3">
+            <a:schemeClr val="accent1"/>
+          </a:fillRef>
+          <a:effectRef idx="2">
+            <a:schemeClr val="accent1"/>
+          </a:effectRef>
+          <a:fontRef idx="minor">
+            <a:schemeClr val="lt1"/>
+          </a:fontRef>
+        </p:style>
+        <p:txBody>
+          <a:bodyPr lIns="143990" tIns="71995" rIns="143990" bIns="71995" rtlCol="0" anchor="ctr"/>
+          <a:lstStyle/>
+          <a:p>
+            <a:pPr algn="ctr"/>
+            <a:r>
+              <a:rPr lang="en-US" sz="1800" dirty="0" smtClean="0">
+                <a:solidFill>
+                  <a:schemeClr val="tx1"/>
+                </a:solidFill>
+              </a:rPr>
+              <a:t>Log out</a:t>
+            </a:r>
+            <a:endParaRPr lang="en-US" sz="1800" dirty="0">
+              <a:solidFill>
+                <a:schemeClr val="tx1"/>
+              </a:solidFill>
+            </a:endParaRPr>
+          </a:p>
+        </p:txBody>
+      </p:sp>
+      <p:sp>
+        <p:nvSpPr>
+          <p:cNvPr id="222" name="Oval 221"/>
+          <p:cNvSpPr/>
+          <p:nvPr/>
+        </p:nvSpPr>
+        <p:spPr>
+          <a:xfrm>
+            <a:off x="7835936" y="13099102"/>
+            <a:ext cx="1553444" cy="729458"/>
+          </a:xfrm>
+          <a:prstGeom prst="ellipse">
+            <a:avLst/>
+          </a:prstGeom>
+          <a:noFill/>
+          <a:ln w="28575" cmpd="sng">
+            <a:solidFill>
+              <a:schemeClr val="tx1"/>
+            </a:solidFill>
+          </a:ln>
+          <a:effectLst/>
+        </p:spPr>
+        <p:style>
+          <a:lnRef idx="1">
+            <a:schemeClr val="accent1"/>
+          </a:lnRef>
+          <a:fillRef idx="3">
+            <a:schemeClr val="accent1"/>
+          </a:fillRef>
+          <a:effectRef idx="2">
+            <a:schemeClr val="accent1"/>
+          </a:effectRef>
+          <a:fontRef idx="minor">
+            <a:schemeClr val="lt1"/>
+          </a:fontRef>
+        </p:style>
+        <p:txBody>
+          <a:bodyPr lIns="143990" tIns="71995" rIns="143990" bIns="71995" rtlCol="0" anchor="ctr"/>
+          <a:lstStyle/>
+          <a:p>
+            <a:pPr algn="ctr"/>
+            <a:r>
+              <a:rPr lang="en-US" sz="1800" dirty="0" smtClean="0">
+                <a:solidFill>
+                  <a:schemeClr val="tx1"/>
+                </a:solidFill>
+              </a:rPr>
+              <a:t>Explore shops</a:t>
+            </a:r>
+            <a:endParaRPr lang="en-US" sz="1800" dirty="0">
+              <a:solidFill>
+                <a:schemeClr val="tx1"/>
+              </a:solidFill>
+            </a:endParaRPr>
+          </a:p>
+        </p:txBody>
+      </p:sp>
+      <p:cxnSp>
+        <p:nvCxnSpPr>
+          <p:cNvPr id="223" name="Straight Connector 222"/>
+          <p:cNvCxnSpPr>
+            <a:endCxn id="220" idx="2"/>
+          </p:cNvCxnSpPr>
+          <p:nvPr/>
+        </p:nvCxnSpPr>
+        <p:spPr>
+          <a:xfrm>
+            <a:off x="3066228" y="10583671"/>
+            <a:ext cx="5055319" cy="3719861"/>
+          </a:xfrm>
+          <a:prstGeom prst="line">
+            <a:avLst/>
+          </a:prstGeom>
+          <a:ln w="19050" cmpd="sng">
+            <a:solidFill>
+              <a:schemeClr val="tx1"/>
+            </a:solidFill>
+          </a:ln>
+          <a:effectLst/>
+        </p:spPr>
+        <p:style>
+          <a:lnRef idx="2">
+            <a:schemeClr val="accent1"/>
+          </a:lnRef>
+          <a:fillRef idx="0">
+            <a:schemeClr val="accent1"/>
+          </a:fillRef>
+          <a:effectRef idx="1">
+            <a:schemeClr val="accent1"/>
+          </a:effectRef>
+          <a:fontRef idx="minor">
+            <a:schemeClr val="tx1"/>
+          </a:fontRef>
+        </p:style>
+      </p:cxnSp>
+      <p:cxnSp>
+        <p:nvCxnSpPr>
+          <p:cNvPr id="224" name="Straight Connector 223"/>
+          <p:cNvCxnSpPr>
+            <a:endCxn id="237" idx="2"/>
+          </p:cNvCxnSpPr>
+          <p:nvPr/>
+        </p:nvCxnSpPr>
+        <p:spPr>
+          <a:xfrm flipV="1">
+            <a:off x="3066228" y="4756969"/>
+            <a:ext cx="4662297" cy="1097205"/>
+          </a:xfrm>
+          <a:prstGeom prst="line">
+            <a:avLst/>
+          </a:prstGeom>
+          <a:ln w="19050" cmpd="sng">
+            <a:solidFill>
+              <a:schemeClr val="tx1"/>
+            </a:solidFill>
+          </a:ln>
+          <a:effectLst/>
+        </p:spPr>
+        <p:style>
+          <a:lnRef idx="2">
+            <a:schemeClr val="accent1"/>
+          </a:lnRef>
+          <a:fillRef idx="0">
+            <a:schemeClr val="accent1"/>
+          </a:fillRef>
+          <a:effectRef idx="1">
+            <a:schemeClr val="accent1"/>
+          </a:effectRef>
+          <a:fontRef idx="minor">
+            <a:schemeClr val="tx1"/>
+          </a:fontRef>
+        </p:style>
+      </p:cxnSp>
+      <p:cxnSp>
+        <p:nvCxnSpPr>
+          <p:cNvPr id="225" name="Straight Connector 224"/>
+          <p:cNvCxnSpPr>
+            <a:endCxn id="214" idx="2"/>
+          </p:cNvCxnSpPr>
+          <p:nvPr/>
+        </p:nvCxnSpPr>
+        <p:spPr>
+          <a:xfrm flipV="1">
+            <a:off x="3066228" y="5748558"/>
+            <a:ext cx="4312415" cy="364729"/>
+          </a:xfrm>
+          <a:prstGeom prst="line">
+            <a:avLst/>
+          </a:prstGeom>
+          <a:ln w="19050" cmpd="sng">
+            <a:solidFill>
+              <a:schemeClr val="tx1"/>
+            </a:solidFill>
+          </a:ln>
+          <a:effectLst/>
+        </p:spPr>
+        <p:style>
+          <a:lnRef idx="2">
+            <a:schemeClr val="accent1"/>
+          </a:lnRef>
+          <a:fillRef idx="0">
+            <a:schemeClr val="accent1"/>
+          </a:fillRef>
+          <a:effectRef idx="1">
+            <a:schemeClr val="accent1"/>
+          </a:effectRef>
+          <a:fontRef idx="minor">
+            <a:schemeClr val="tx1"/>
+          </a:fontRef>
+        </p:style>
+      </p:cxnSp>
+      <p:cxnSp>
+        <p:nvCxnSpPr>
+          <p:cNvPr id="226" name="Straight Connector 225"/>
+          <p:cNvCxnSpPr>
+            <a:endCxn id="215" idx="2"/>
+          </p:cNvCxnSpPr>
+          <p:nvPr/>
+        </p:nvCxnSpPr>
+        <p:spPr>
+          <a:xfrm flipV="1">
+            <a:off x="3066228" y="6595422"/>
+            <a:ext cx="4680160" cy="2521860"/>
+          </a:xfrm>
+          <a:prstGeom prst="line">
+            <a:avLst/>
+          </a:prstGeom>
+          <a:ln w="19050" cmpd="sng">
+            <a:solidFill>
+              <a:schemeClr val="tx1"/>
+            </a:solidFill>
+          </a:ln>
+          <a:effectLst/>
+        </p:spPr>
+        <p:style>
+          <a:lnRef idx="2">
+            <a:schemeClr val="accent1"/>
+          </a:lnRef>
+          <a:fillRef idx="0">
+            <a:schemeClr val="accent1"/>
+          </a:fillRef>
+          <a:effectRef idx="1">
+            <a:schemeClr val="accent1"/>
+          </a:effectRef>
+          <a:fontRef idx="minor">
+            <a:schemeClr val="tx1"/>
+          </a:fontRef>
+        </p:style>
+      </p:cxnSp>
+      <p:cxnSp>
+        <p:nvCxnSpPr>
+          <p:cNvPr id="227" name="Straight Connector 226"/>
+          <p:cNvCxnSpPr>
+            <a:endCxn id="217" idx="2"/>
+          </p:cNvCxnSpPr>
+          <p:nvPr/>
+        </p:nvCxnSpPr>
+        <p:spPr>
+          <a:xfrm flipV="1">
+            <a:off x="3066228" y="8642368"/>
+            <a:ext cx="4485588" cy="715137"/>
+          </a:xfrm>
+          <a:prstGeom prst="line">
+            <a:avLst/>
+          </a:prstGeom>
+          <a:ln w="19050" cmpd="sng">
+            <a:solidFill>
+              <a:schemeClr val="tx1"/>
+            </a:solidFill>
+          </a:ln>
+          <a:effectLst/>
+        </p:spPr>
+        <p:style>
+          <a:lnRef idx="2">
+            <a:schemeClr val="accent1"/>
+          </a:lnRef>
+          <a:fillRef idx="0">
+            <a:schemeClr val="accent1"/>
+          </a:fillRef>
+          <a:effectRef idx="1">
+            <a:schemeClr val="accent1"/>
+          </a:effectRef>
+          <a:fontRef idx="minor">
+            <a:schemeClr val="tx1"/>
+          </a:fontRef>
+        </p:style>
+      </p:cxnSp>
+      <p:cxnSp>
+        <p:nvCxnSpPr>
+          <p:cNvPr id="228" name="Straight Connector 227"/>
+          <p:cNvCxnSpPr>
+            <a:endCxn id="216" idx="2"/>
+          </p:cNvCxnSpPr>
+          <p:nvPr/>
+        </p:nvCxnSpPr>
+        <p:spPr>
+          <a:xfrm flipV="1">
+            <a:off x="3066228" y="7566333"/>
+            <a:ext cx="4039369" cy="1684507"/>
+          </a:xfrm>
+          <a:prstGeom prst="line">
+            <a:avLst/>
+          </a:prstGeom>
+          <a:ln w="19050" cmpd="sng">
+            <a:solidFill>
+              <a:schemeClr val="tx1"/>
+            </a:solidFill>
+          </a:ln>
+          <a:effectLst/>
+        </p:spPr>
+        <p:style>
+          <a:lnRef idx="2">
+            <a:schemeClr val="accent1"/>
+          </a:lnRef>
+          <a:fillRef idx="0">
+            <a:schemeClr val="accent1"/>
+          </a:fillRef>
+          <a:effectRef idx="1">
+            <a:schemeClr val="accent1"/>
+          </a:effectRef>
+          <a:fontRef idx="minor">
+            <a:schemeClr val="tx1"/>
+          </a:fontRef>
+        </p:style>
+      </p:cxnSp>
+      <p:cxnSp>
+        <p:nvCxnSpPr>
+          <p:cNvPr id="229" name="Straight Connector 228"/>
+          <p:cNvCxnSpPr>
+            <a:endCxn id="222" idx="2"/>
+          </p:cNvCxnSpPr>
+          <p:nvPr/>
+        </p:nvCxnSpPr>
+        <p:spPr>
+          <a:xfrm>
+            <a:off x="3066228" y="10408505"/>
+            <a:ext cx="4769708" cy="3055326"/>
+          </a:xfrm>
+          <a:prstGeom prst="line">
+            <a:avLst/>
+          </a:prstGeom>
+          <a:ln w="12700" cmpd="sng">
+            <a:solidFill>
+              <a:schemeClr val="tx1"/>
+            </a:solidFill>
+          </a:ln>
+          <a:effectLst/>
+        </p:spPr>
+        <p:style>
+          <a:lnRef idx="2">
+            <a:schemeClr val="accent1"/>
+          </a:lnRef>
+          <a:fillRef idx="0">
+            <a:schemeClr val="accent1"/>
+          </a:fillRef>
+          <a:effectRef idx="1">
+            <a:schemeClr val="accent1"/>
+          </a:effectRef>
+          <a:fontRef idx="minor">
+            <a:schemeClr val="tx1"/>
+          </a:fontRef>
+        </p:style>
+      </p:cxnSp>
+      <p:cxnSp>
+        <p:nvCxnSpPr>
+          <p:cNvPr id="230" name="Straight Connector 229"/>
+          <p:cNvCxnSpPr>
+            <a:endCxn id="218" idx="2"/>
+          </p:cNvCxnSpPr>
+          <p:nvPr/>
+        </p:nvCxnSpPr>
+        <p:spPr>
+          <a:xfrm>
+            <a:off x="3066228" y="9721872"/>
+            <a:ext cx="4417766" cy="1060166"/>
+          </a:xfrm>
+          <a:prstGeom prst="line">
+            <a:avLst/>
+          </a:prstGeom>
+          <a:ln w="19050" cmpd="sng">
+            <a:solidFill>
+              <a:schemeClr val="tx1"/>
+            </a:solidFill>
+          </a:ln>
+          <a:effectLst/>
+        </p:spPr>
+        <p:style>
+          <a:lnRef idx="2">
+            <a:schemeClr val="accent1"/>
+          </a:lnRef>
+          <a:fillRef idx="0">
+            <a:schemeClr val="accent1"/>
+          </a:fillRef>
+          <a:effectRef idx="1">
+            <a:schemeClr val="accent1"/>
+          </a:effectRef>
+          <a:fontRef idx="minor">
+            <a:schemeClr val="tx1"/>
+          </a:fontRef>
+        </p:style>
+      </p:cxnSp>
+      <p:cxnSp>
+        <p:nvCxnSpPr>
+          <p:cNvPr id="231" name="Straight Connector 230"/>
+          <p:cNvCxnSpPr>
+            <a:endCxn id="219" idx="2"/>
+          </p:cNvCxnSpPr>
+          <p:nvPr/>
+        </p:nvCxnSpPr>
+        <p:spPr>
+          <a:xfrm>
+            <a:off x="3066228" y="9948693"/>
+            <a:ext cx="4479961" cy="1795881"/>
+          </a:xfrm>
+          <a:prstGeom prst="line">
+            <a:avLst/>
+          </a:prstGeom>
+          <a:ln w="19050" cmpd="sng">
+            <a:solidFill>
+              <a:schemeClr val="tx1"/>
+            </a:solidFill>
+          </a:ln>
+          <a:effectLst/>
+        </p:spPr>
+        <p:style>
+          <a:lnRef idx="2">
+            <a:schemeClr val="accent1"/>
+          </a:lnRef>
+          <a:fillRef idx="0">
+            <a:schemeClr val="accent1"/>
+          </a:fillRef>
+          <a:effectRef idx="1">
+            <a:schemeClr val="accent1"/>
+          </a:effectRef>
+          <a:fontRef idx="minor">
+            <a:schemeClr val="tx1"/>
+          </a:fontRef>
+        </p:style>
+      </p:cxnSp>
+      <p:cxnSp>
+        <p:nvCxnSpPr>
+          <p:cNvPr id="232" name="Straight Connector 231"/>
+          <p:cNvCxnSpPr>
+            <a:endCxn id="221" idx="2"/>
+          </p:cNvCxnSpPr>
+          <p:nvPr/>
+        </p:nvCxnSpPr>
+        <p:spPr>
+          <a:xfrm>
+            <a:off x="3066228" y="10782038"/>
+            <a:ext cx="4815184" cy="4353037"/>
+          </a:xfrm>
+          <a:prstGeom prst="line">
+            <a:avLst/>
+          </a:prstGeom>
+          <a:ln w="19050" cmpd="sng">
+            <a:solidFill>
+              <a:schemeClr val="tx1"/>
+            </a:solidFill>
+          </a:ln>
+          <a:effectLst/>
+        </p:spPr>
+        <p:style>
+          <a:lnRef idx="2">
+            <a:schemeClr val="accent1"/>
+          </a:lnRef>
+          <a:fillRef idx="0">
+            <a:schemeClr val="accent1"/>
+          </a:fillRef>
+          <a:effectRef idx="1">
+            <a:schemeClr val="accent1"/>
+          </a:effectRef>
+          <a:fontRef idx="minor">
+            <a:schemeClr val="tx1"/>
+          </a:fontRef>
+        </p:style>
+      </p:cxnSp>
+      <p:cxnSp>
+        <p:nvCxnSpPr>
+          <p:cNvPr id="233" name="Straight Connector 232"/>
+          <p:cNvCxnSpPr>
+            <a:stCxn id="214" idx="6"/>
+          </p:cNvCxnSpPr>
+          <p:nvPr/>
+        </p:nvCxnSpPr>
+        <p:spPr>
+          <a:xfrm>
+            <a:off x="9837992" y="5748558"/>
+            <a:ext cx="5040044" cy="846864"/>
+          </a:xfrm>
+          <a:prstGeom prst="line">
+            <a:avLst/>
+          </a:prstGeom>
+          <a:ln w="19050" cmpd="sng">
+            <a:solidFill>
+              <a:schemeClr val="tx1"/>
+            </a:solidFill>
+          </a:ln>
+          <a:effectLst/>
+        </p:spPr>
+        <p:style>
+          <a:lnRef idx="2">
+            <a:schemeClr val="accent1"/>
+          </a:lnRef>
+          <a:fillRef idx="0">
+            <a:schemeClr val="accent1"/>
+          </a:fillRef>
+          <a:effectRef idx="1">
+            <a:schemeClr val="accent1"/>
+          </a:effectRef>
+          <a:fontRef idx="minor">
+            <a:schemeClr val="tx1"/>
+          </a:fontRef>
+        </p:style>
+      </p:cxnSp>
+      <p:sp>
+        <p:nvSpPr>
+          <p:cNvPr id="234" name="TextBox 233"/>
+          <p:cNvSpPr txBox="1"/>
+          <p:nvPr/>
+        </p:nvSpPr>
+        <p:spPr>
+          <a:xfrm>
+            <a:off x="15051655" y="7026667"/>
+            <a:ext cx="1500906" cy="422395"/>
+          </a:xfrm>
+          <a:prstGeom prst="rect">
+            <a:avLst/>
+          </a:prstGeom>
+          <a:noFill/>
+        </p:spPr>
+        <p:txBody>
+          <a:bodyPr wrap="square" lIns="143990" tIns="71995" rIns="143990" bIns="71995" rtlCol="0">
+            <a:spAutoFit/>
+          </a:bodyPr>
+          <a:lstStyle/>
+          <a:p>
+            <a:r>
+              <a:rPr lang="en-US" sz="1800" b="1" dirty="0"/>
+              <a:t>Facebook</a:t>
+            </a:r>
+          </a:p>
+        </p:txBody>
+      </p:sp>
+      <p:sp>
+        <p:nvSpPr>
+          <p:cNvPr id="235" name="TextBox 234"/>
+          <p:cNvSpPr txBox="1"/>
+          <p:nvPr/>
+        </p:nvSpPr>
+        <p:spPr>
+          <a:xfrm>
+            <a:off x="15051396" y="12016536"/>
+            <a:ext cx="1179010" cy="699394"/>
+          </a:xfrm>
+          <a:prstGeom prst="rect">
+            <a:avLst/>
+          </a:prstGeom>
+          <a:noFill/>
+        </p:spPr>
+        <p:txBody>
+          <a:bodyPr wrap="square" lIns="143990" tIns="71995" rIns="143990" bIns="71995" rtlCol="0">
+            <a:spAutoFit/>
+          </a:bodyPr>
+          <a:lstStyle/>
+          <a:p>
+            <a:pPr algn="ctr"/>
+            <a:r>
+              <a:rPr lang="en-US" sz="1800" b="1" dirty="0"/>
+              <a:t>Google </a:t>
+            </a:r>
+          </a:p>
+          <a:p>
+            <a:pPr algn="ctr"/>
+            <a:r>
+              <a:rPr lang="en-US" sz="1800" b="1" dirty="0"/>
+              <a:t>Map</a:t>
+            </a:r>
+          </a:p>
+        </p:txBody>
+      </p:sp>
+      <p:sp>
+        <p:nvSpPr>
+          <p:cNvPr id="236" name="Oval 235"/>
+          <p:cNvSpPr/>
+          <p:nvPr/>
+        </p:nvSpPr>
+        <p:spPr>
+          <a:xfrm>
+            <a:off x="7648140" y="9250840"/>
+            <a:ext cx="1957296" cy="942064"/>
+          </a:xfrm>
+          <a:prstGeom prst="ellipse">
+            <a:avLst/>
+          </a:prstGeom>
+          <a:noFill/>
+          <a:ln w="28575" cmpd="sng">
+            <a:solidFill>
+              <a:schemeClr val="tx1"/>
+            </a:solidFill>
+          </a:ln>
+          <a:effectLst/>
+        </p:spPr>
+        <p:style>
+          <a:lnRef idx="1">
+            <a:schemeClr val="accent1"/>
+          </a:lnRef>
+          <a:fillRef idx="3">
+            <a:schemeClr val="accent1"/>
+          </a:fillRef>
+          <a:effectRef idx="2">
+            <a:schemeClr val="accent1"/>
+          </a:effectRef>
+          <a:fontRef idx="minor">
+            <a:schemeClr val="lt1"/>
+          </a:fontRef>
+        </p:style>
+        <p:txBody>
+          <a:bodyPr lIns="143990" tIns="71995" rIns="143990" bIns="71995" rtlCol="0" anchor="ctr"/>
+          <a:lstStyle/>
+          <a:p>
+            <a:pPr algn="ctr"/>
+            <a:r>
+              <a:rPr lang="en-US" sz="1800" dirty="0" smtClean="0">
+                <a:solidFill>
+                  <a:schemeClr val="tx1"/>
+                </a:solidFill>
+              </a:rPr>
+              <a:t>See near by shops</a:t>
+            </a:r>
+            <a:endParaRPr lang="en-US" sz="1800" dirty="0">
+              <a:solidFill>
+                <a:schemeClr val="tx1"/>
+              </a:solidFill>
+            </a:endParaRPr>
+          </a:p>
+        </p:txBody>
+      </p:sp>
+      <p:sp>
+        <p:nvSpPr>
+          <p:cNvPr id="237" name="Oval 236"/>
+          <p:cNvSpPr/>
+          <p:nvPr/>
+        </p:nvSpPr>
+        <p:spPr>
+          <a:xfrm>
+            <a:off x="7728525" y="4377022"/>
+            <a:ext cx="1660855" cy="759893"/>
+          </a:xfrm>
+          <a:prstGeom prst="ellipse">
+            <a:avLst/>
+          </a:prstGeom>
+          <a:noFill/>
+          <a:ln w="28575" cmpd="sng">
+            <a:solidFill>
+              <a:schemeClr val="tx1"/>
+            </a:solidFill>
+          </a:ln>
+          <a:effectLst/>
+        </p:spPr>
+        <p:style>
+          <a:lnRef idx="1">
+            <a:schemeClr val="accent1"/>
+          </a:lnRef>
+          <a:fillRef idx="3">
+            <a:schemeClr val="accent1"/>
+          </a:fillRef>
+          <a:effectRef idx="2">
+            <a:schemeClr val="accent1"/>
+          </a:effectRef>
+          <a:fontRef idx="minor">
+            <a:schemeClr val="lt1"/>
+          </a:fontRef>
+        </p:style>
+        <p:txBody>
+          <a:bodyPr lIns="143990" tIns="71995" rIns="143990" bIns="71995" rtlCol="0" anchor="ctr"/>
+          <a:lstStyle/>
+          <a:p>
+            <a:pPr algn="ctr"/>
+            <a:r>
+              <a:rPr lang="en-US" sz="1800" dirty="0" smtClean="0">
+                <a:solidFill>
+                  <a:schemeClr val="tx1"/>
+                </a:solidFill>
+              </a:rPr>
+              <a:t>Explore tutorials</a:t>
+            </a:r>
+            <a:endParaRPr lang="en-US" sz="1800" dirty="0">
+              <a:solidFill>
+                <a:schemeClr val="tx1"/>
+              </a:solidFill>
+            </a:endParaRPr>
+          </a:p>
+        </p:txBody>
+      </p:sp>
+      <p:cxnSp>
+        <p:nvCxnSpPr>
+          <p:cNvPr id="238" name="Straight Connector 237"/>
+          <p:cNvCxnSpPr>
+            <a:endCxn id="236" idx="2"/>
+          </p:cNvCxnSpPr>
+          <p:nvPr/>
+        </p:nvCxnSpPr>
+        <p:spPr>
+          <a:xfrm>
+            <a:off x="3066228" y="9521724"/>
+            <a:ext cx="4581912" cy="200148"/>
+          </a:xfrm>
+          <a:prstGeom prst="line">
+            <a:avLst/>
+          </a:prstGeom>
+          <a:ln w="19050" cmpd="sng">
+            <a:solidFill>
+              <a:schemeClr val="tx1"/>
+            </a:solidFill>
+          </a:ln>
+          <a:effectLst/>
+        </p:spPr>
+        <p:style>
+          <a:lnRef idx="2">
+            <a:schemeClr val="accent1"/>
+          </a:lnRef>
+          <a:fillRef idx="0">
+            <a:schemeClr val="accent1"/>
+          </a:fillRef>
+          <a:effectRef idx="1">
+            <a:schemeClr val="accent1"/>
+          </a:effectRef>
+          <a:fontRef idx="minor">
+            <a:schemeClr val="tx1"/>
+          </a:fontRef>
+        </p:style>
+      </p:cxnSp>
+      <p:cxnSp>
+        <p:nvCxnSpPr>
+          <p:cNvPr id="239" name="Straight Connector 238"/>
+          <p:cNvCxnSpPr>
+            <a:stCxn id="236" idx="6"/>
+          </p:cNvCxnSpPr>
+          <p:nvPr/>
+        </p:nvCxnSpPr>
+        <p:spPr>
+          <a:xfrm>
+            <a:off x="9605436" y="9721872"/>
+            <a:ext cx="5314788" cy="1571832"/>
+          </a:xfrm>
+          <a:prstGeom prst="line">
+            <a:avLst/>
+          </a:prstGeom>
+          <a:ln w="19050" cmpd="sng">
+            <a:solidFill>
+              <a:schemeClr val="tx1"/>
+            </a:solidFill>
+          </a:ln>
+          <a:effectLst/>
+        </p:spPr>
+        <p:style>
+          <a:lnRef idx="2">
+            <a:schemeClr val="accent1"/>
+          </a:lnRef>
+          <a:fillRef idx="0">
+            <a:schemeClr val="accent1"/>
+          </a:fillRef>
+          <a:effectRef idx="1">
+            <a:schemeClr val="accent1"/>
+          </a:effectRef>
+          <a:fontRef idx="minor">
+            <a:schemeClr val="tx1"/>
+          </a:fontRef>
+        </p:style>
+      </p:cxnSp>
+      <p:sp>
+        <p:nvSpPr>
+          <p:cNvPr id="240" name="Oval 239"/>
+          <p:cNvSpPr/>
+          <p:nvPr/>
+        </p:nvSpPr>
+        <p:spPr>
+          <a:xfrm>
+            <a:off x="7746388" y="12238825"/>
+            <a:ext cx="1701748" cy="729458"/>
+          </a:xfrm>
+          <a:prstGeom prst="ellipse">
+            <a:avLst/>
+          </a:prstGeom>
+          <a:noFill/>
+          <a:ln w="28575" cmpd="sng">
+            <a:solidFill>
+              <a:schemeClr val="tx1"/>
+            </a:solidFill>
+          </a:ln>
+          <a:effectLst/>
+        </p:spPr>
+        <p:style>
+          <a:lnRef idx="1">
+            <a:schemeClr val="accent1"/>
+          </a:lnRef>
+          <a:fillRef idx="3">
+            <a:schemeClr val="accent1"/>
+          </a:fillRef>
+          <a:effectRef idx="2">
+            <a:schemeClr val="accent1"/>
+          </a:effectRef>
+          <a:fontRef idx="minor">
+            <a:schemeClr val="lt1"/>
+          </a:fontRef>
+        </p:style>
+        <p:txBody>
+          <a:bodyPr lIns="143990" tIns="71995" rIns="143990" bIns="71995" rtlCol="0" anchor="ctr"/>
+          <a:lstStyle/>
+          <a:p>
+            <a:pPr algn="ctr"/>
+            <a:r>
+              <a:rPr lang="en-US" sz="1800" dirty="0" smtClean="0">
+                <a:solidFill>
+                  <a:schemeClr val="tx1"/>
+                </a:solidFill>
+              </a:rPr>
+              <a:t>Manage Profile</a:t>
+            </a:r>
+            <a:endParaRPr lang="en-US" sz="1800" dirty="0">
+              <a:solidFill>
+                <a:schemeClr val="tx1"/>
+              </a:solidFill>
+            </a:endParaRPr>
+          </a:p>
+        </p:txBody>
+      </p:sp>
+      <p:cxnSp>
+        <p:nvCxnSpPr>
+          <p:cNvPr id="241" name="Straight Connector 240"/>
+          <p:cNvCxnSpPr>
+            <a:endCxn id="240" idx="2"/>
+          </p:cNvCxnSpPr>
+          <p:nvPr/>
+        </p:nvCxnSpPr>
+        <p:spPr>
+          <a:xfrm>
+            <a:off x="3066228" y="10192904"/>
+            <a:ext cx="4680160" cy="2410650"/>
+          </a:xfrm>
+          <a:prstGeom prst="line">
+            <a:avLst/>
+          </a:prstGeom>
+          <a:ln w="19050" cmpd="sng">
+            <a:solidFill>
+              <a:schemeClr val="tx1"/>
+            </a:solidFill>
+          </a:ln>
+          <a:effectLst/>
+        </p:spPr>
+        <p:style>
+          <a:lnRef idx="2">
+            <a:schemeClr val="accent1"/>
+          </a:lnRef>
+          <a:fillRef idx="0">
+            <a:schemeClr val="accent1"/>
+          </a:fillRef>
+          <a:effectRef idx="1">
+            <a:schemeClr val="accent1"/>
+          </a:effectRef>
+          <a:fontRef idx="minor">
+            <a:schemeClr val="tx1"/>
+          </a:fontRef>
+        </p:style>
+      </p:cxnSp>
+      <p:sp>
+        <p:nvSpPr>
+          <p:cNvPr id="242" name="TextBox 241"/>
+          <p:cNvSpPr txBox="1"/>
+          <p:nvPr/>
+        </p:nvSpPr>
+        <p:spPr>
+          <a:xfrm>
+            <a:off x="6188771" y="2410029"/>
+            <a:ext cx="6729662" cy="667779"/>
+          </a:xfrm>
+          <a:prstGeom prst="rect">
+            <a:avLst/>
+          </a:prstGeom>
+          <a:noFill/>
+        </p:spPr>
+        <p:txBody>
+          <a:bodyPr wrap="square" lIns="143990" tIns="71995" rIns="143990" bIns="71995" rtlCol="0">
+            <a:spAutoFit/>
+          </a:bodyPr>
+          <a:lstStyle/>
+          <a:p>
+            <a:r>
+              <a:rPr lang="en-US" b="1" dirty="0" smtClean="0"/>
+              <a:t>HanDIYcraft </a:t>
+            </a:r>
+            <a:r>
+              <a:rPr lang="en-US" b="1" dirty="0" smtClean="0"/>
+              <a:t>Web </a:t>
+            </a:r>
+            <a:r>
+              <a:rPr lang="en-US" b="1" dirty="0" smtClean="0"/>
+              <a:t>Application</a:t>
+            </a:r>
+            <a:endParaRPr lang="en-US" b="1" dirty="0"/>
+          </a:p>
+        </p:txBody>
+      </p:sp>
+      <p:sp>
+        <p:nvSpPr>
+          <p:cNvPr id="243" name="TextBox 242"/>
+          <p:cNvSpPr txBox="1"/>
+          <p:nvPr/>
+        </p:nvSpPr>
+        <p:spPr>
+          <a:xfrm>
+            <a:off x="1949803" y="6880496"/>
+            <a:ext cx="988725" cy="453173"/>
+          </a:xfrm>
+          <a:prstGeom prst="rect">
+            <a:avLst/>
+          </a:prstGeom>
+          <a:noFill/>
+        </p:spPr>
+        <p:txBody>
+          <a:bodyPr wrap="none" lIns="143990" tIns="71995" rIns="143990" bIns="71995" rtlCol="0">
+            <a:spAutoFit/>
+          </a:bodyPr>
+          <a:lstStyle/>
+          <a:p>
+            <a:r>
+              <a:rPr lang="en-US" sz="2000" b="1" dirty="0" smtClean="0"/>
+              <a:t>Visitor</a:t>
+            </a:r>
+            <a:endParaRPr lang="en-US" sz="2000" b="1" dirty="0"/>
+          </a:p>
+        </p:txBody>
+      </p:sp>
+      <p:sp>
+        <p:nvSpPr>
+          <p:cNvPr id="244" name="TextBox 243"/>
+          <p:cNvSpPr txBox="1"/>
+          <p:nvPr/>
+        </p:nvSpPr>
+        <p:spPr>
+          <a:xfrm>
+            <a:off x="1883544" y="10817661"/>
+            <a:ext cx="1370836" cy="422395"/>
+          </a:xfrm>
+          <a:prstGeom prst="rect">
+            <a:avLst/>
+          </a:prstGeom>
+          <a:noFill/>
+        </p:spPr>
+        <p:txBody>
+          <a:bodyPr wrap="square" lIns="143990" tIns="71995" rIns="143990" bIns="71995" rtlCol="0">
+            <a:spAutoFit/>
+          </a:bodyPr>
+          <a:lstStyle/>
+          <a:p>
+            <a:r>
+              <a:rPr lang="en-US" sz="1800" b="1" dirty="0"/>
+              <a:t>Bloggers</a:t>
+            </a:r>
+          </a:p>
+        </p:txBody>
+      </p:sp>
+      <p:cxnSp>
+        <p:nvCxnSpPr>
+          <p:cNvPr id="245" name="Straight Arrow Connector 244"/>
+          <p:cNvCxnSpPr/>
+          <p:nvPr/>
+        </p:nvCxnSpPr>
+        <p:spPr>
+          <a:xfrm flipV="1">
+            <a:off x="2439979" y="7286629"/>
+            <a:ext cx="4187" cy="1368435"/>
+          </a:xfrm>
+          <a:prstGeom prst="straightConnector1">
+            <a:avLst/>
+          </a:prstGeom>
+          <a:ln>
+            <a:solidFill>
+              <a:schemeClr val="tx1"/>
+            </a:solidFill>
+            <a:tailEnd type="arrow"/>
+          </a:ln>
+          <a:effectLst/>
+        </p:spPr>
+        <p:style>
+          <a:lnRef idx="2">
+            <a:schemeClr val="accent1"/>
+          </a:lnRef>
+          <a:fillRef idx="0">
+            <a:schemeClr val="accent1"/>
+          </a:fillRef>
+          <a:effectRef idx="1">
+            <a:schemeClr val="accent1"/>
+          </a:effectRef>
+          <a:fontRef idx="minor">
+            <a:schemeClr val="tx1"/>
+          </a:fontRef>
+        </p:style>
+      </p:cxnSp>
+      <p:cxnSp>
+        <p:nvCxnSpPr>
+          <p:cNvPr id="257" name="Straight Connector 256"/>
+          <p:cNvCxnSpPr>
+            <a:stCxn id="268" idx="6"/>
+          </p:cNvCxnSpPr>
+          <p:nvPr/>
+        </p:nvCxnSpPr>
+        <p:spPr>
+          <a:xfrm flipV="1">
+            <a:off x="14191244" y="11744575"/>
+            <a:ext cx="728980" cy="309103"/>
+          </a:xfrm>
+          <a:prstGeom prst="line">
+            <a:avLst/>
+          </a:prstGeom>
+          <a:ln w="19050" cmpd="sng">
+            <a:solidFill>
+              <a:schemeClr val="tx1"/>
+            </a:solidFill>
+          </a:ln>
+          <a:effectLst/>
+        </p:spPr>
+        <p:style>
+          <a:lnRef idx="2">
+            <a:schemeClr val="accent1"/>
+          </a:lnRef>
+          <a:fillRef idx="0">
+            <a:schemeClr val="accent1"/>
+          </a:fillRef>
+          <a:effectRef idx="1">
+            <a:schemeClr val="accent1"/>
+          </a:effectRef>
+          <a:fontRef idx="minor">
+            <a:schemeClr val="tx1"/>
+          </a:fontRef>
+        </p:style>
+      </p:cxnSp>
+      <p:sp>
+        <p:nvSpPr>
+          <p:cNvPr id="267" name="Oval 266"/>
+          <p:cNvSpPr/>
+          <p:nvPr/>
+        </p:nvSpPr>
+        <p:spPr>
+          <a:xfrm>
+            <a:off x="11436926" y="12757348"/>
+            <a:ext cx="1649184" cy="729458"/>
+          </a:xfrm>
+          <a:prstGeom prst="ellipse">
+            <a:avLst/>
+          </a:prstGeom>
+          <a:noFill/>
+          <a:ln w="28575" cmpd="sng">
+            <a:solidFill>
+              <a:schemeClr val="tx1"/>
+            </a:solidFill>
+          </a:ln>
+          <a:effectLst/>
+        </p:spPr>
+        <p:style>
+          <a:lnRef idx="1">
+            <a:schemeClr val="accent1"/>
+          </a:lnRef>
+          <a:fillRef idx="3">
+            <a:schemeClr val="accent1"/>
+          </a:fillRef>
+          <a:effectRef idx="2">
+            <a:schemeClr val="accent1"/>
+          </a:effectRef>
+          <a:fontRef idx="minor">
+            <a:schemeClr val="lt1"/>
+          </a:fontRef>
+        </p:style>
+        <p:txBody>
+          <a:bodyPr lIns="143990" tIns="71995" rIns="143990" bIns="71995" rtlCol="0" anchor="ctr"/>
+          <a:lstStyle/>
+          <a:p>
+            <a:pPr algn="ctr"/>
+            <a:r>
+              <a:rPr lang="en-US" sz="1800" dirty="0" smtClean="0">
+                <a:solidFill>
+                  <a:schemeClr val="tx1"/>
+                </a:solidFill>
+              </a:rPr>
+              <a:t>See shop detail</a:t>
+            </a:r>
+            <a:endParaRPr lang="en-US" sz="1800" dirty="0">
+              <a:solidFill>
+                <a:schemeClr val="tx1"/>
+              </a:solidFill>
+            </a:endParaRPr>
+          </a:p>
+        </p:txBody>
+      </p:sp>
+      <p:sp>
+        <p:nvSpPr>
+          <p:cNvPr id="268" name="Oval 267"/>
+          <p:cNvSpPr/>
+          <p:nvPr/>
+        </p:nvSpPr>
+        <p:spPr>
+          <a:xfrm>
+            <a:off x="12623371" y="11722678"/>
+            <a:ext cx="1567873" cy="661999"/>
+          </a:xfrm>
+          <a:prstGeom prst="ellipse">
+            <a:avLst/>
+          </a:prstGeom>
+          <a:noFill/>
+          <a:ln w="28575" cmpd="sng">
+            <a:solidFill>
+              <a:schemeClr val="tx1"/>
+            </a:solidFill>
+          </a:ln>
+          <a:effectLst/>
+        </p:spPr>
+        <p:style>
+          <a:lnRef idx="1">
+            <a:schemeClr val="accent1"/>
+          </a:lnRef>
+          <a:fillRef idx="3">
+            <a:schemeClr val="accent1"/>
+          </a:fillRef>
+          <a:effectRef idx="2">
+            <a:schemeClr val="accent1"/>
+          </a:effectRef>
+          <a:fontRef idx="minor">
+            <a:schemeClr val="lt1"/>
+          </a:fontRef>
+        </p:style>
+        <p:txBody>
+          <a:bodyPr lIns="143990" tIns="71995" rIns="143990" bIns="71995" rtlCol="0" anchor="ctr"/>
+          <a:lstStyle/>
+          <a:p>
+            <a:pPr algn="ctr"/>
+            <a:r>
+              <a:rPr lang="en-US" sz="1800" dirty="0" smtClean="0">
+                <a:solidFill>
+                  <a:schemeClr val="tx1"/>
+                </a:solidFill>
+              </a:rPr>
+              <a:t>See location</a:t>
+            </a:r>
+            <a:endParaRPr lang="en-US" sz="1800" dirty="0">
+              <a:solidFill>
+                <a:schemeClr val="tx1"/>
+              </a:solidFill>
+            </a:endParaRPr>
+          </a:p>
+        </p:txBody>
+      </p:sp>
+      <p:cxnSp>
+        <p:nvCxnSpPr>
+          <p:cNvPr id="269" name="Straight Arrow Connector 268"/>
+          <p:cNvCxnSpPr>
+            <a:stCxn id="268" idx="3"/>
+            <a:endCxn id="267" idx="0"/>
+          </p:cNvCxnSpPr>
+          <p:nvPr/>
+        </p:nvCxnSpPr>
+        <p:spPr>
+          <a:xfrm flipH="1">
+            <a:off x="12261518" y="12287729"/>
+            <a:ext cx="591463" cy="469619"/>
+          </a:xfrm>
+          <a:prstGeom prst="straightConnector1">
+            <a:avLst/>
+          </a:prstGeom>
+          <a:ln w="38100" cmpd="sng">
+            <a:solidFill>
+              <a:schemeClr val="tx1"/>
+            </a:solidFill>
+            <a:prstDash val="dash"/>
+            <a:tailEnd type="arrow"/>
+          </a:ln>
+          <a:effectLst/>
+        </p:spPr>
+        <p:style>
+          <a:lnRef idx="2">
+            <a:schemeClr val="accent1"/>
+          </a:lnRef>
+          <a:fillRef idx="0">
+            <a:schemeClr val="accent1"/>
+          </a:fillRef>
+          <a:effectRef idx="1">
+            <a:schemeClr val="accent1"/>
+          </a:effectRef>
+          <a:fontRef idx="minor">
+            <a:schemeClr val="tx1"/>
+          </a:fontRef>
+        </p:style>
+      </p:cxnSp>
+      <p:sp>
+        <p:nvSpPr>
+          <p:cNvPr id="270" name="TextBox 269"/>
+          <p:cNvSpPr txBox="1"/>
+          <p:nvPr/>
+        </p:nvSpPr>
+        <p:spPr>
+          <a:xfrm rot="19274824">
+            <a:off x="11963298" y="12109717"/>
+            <a:ext cx="1177564" cy="360840"/>
+          </a:xfrm>
+          <a:prstGeom prst="rect">
+            <a:avLst/>
+          </a:prstGeom>
+          <a:noFill/>
+        </p:spPr>
+        <p:txBody>
+          <a:bodyPr wrap="square" lIns="143990" tIns="71995" rIns="143990" bIns="71995" rtlCol="0">
+            <a:spAutoFit/>
+          </a:bodyPr>
+          <a:lstStyle/>
+          <a:p>
+            <a:r>
+              <a:rPr lang="en-US" sz="1400" dirty="0"/>
+              <a:t>Extends</a:t>
+            </a:r>
+          </a:p>
+        </p:txBody>
+      </p:sp>
+      <p:sp>
+        <p:nvSpPr>
+          <p:cNvPr id="273" name="Oval 272"/>
+          <p:cNvSpPr/>
+          <p:nvPr/>
+        </p:nvSpPr>
+        <p:spPr>
+          <a:xfrm>
+            <a:off x="11797353" y="4826454"/>
+            <a:ext cx="2094030" cy="724501"/>
+          </a:xfrm>
+          <a:prstGeom prst="ellipse">
+            <a:avLst/>
+          </a:prstGeom>
+          <a:noFill/>
+          <a:ln w="28575" cmpd="sng">
+            <a:solidFill>
+              <a:schemeClr val="tx1"/>
+            </a:solidFill>
+          </a:ln>
+          <a:effectLst/>
+        </p:spPr>
+        <p:style>
+          <a:lnRef idx="1">
+            <a:schemeClr val="accent1"/>
+          </a:lnRef>
+          <a:fillRef idx="3">
+            <a:schemeClr val="accent1"/>
+          </a:fillRef>
+          <a:effectRef idx="2">
+            <a:schemeClr val="accent1"/>
+          </a:effectRef>
+          <a:fontRef idx="minor">
+            <a:schemeClr val="lt1"/>
+          </a:fontRef>
+        </p:style>
+        <p:txBody>
+          <a:bodyPr lIns="143990" tIns="71995" rIns="143990" bIns="71995" rtlCol="0" anchor="ctr"/>
+          <a:lstStyle/>
+          <a:p>
+            <a:pPr algn="ctr"/>
+            <a:r>
+              <a:rPr lang="en-US" sz="1800" dirty="0" smtClean="0">
+                <a:solidFill>
+                  <a:schemeClr val="tx1"/>
+                </a:solidFill>
+              </a:rPr>
+              <a:t>See tutorial detail</a:t>
+            </a:r>
+            <a:endParaRPr lang="en-US" sz="1800" dirty="0">
+              <a:solidFill>
+                <a:schemeClr val="tx1"/>
+              </a:solidFill>
+            </a:endParaRPr>
+          </a:p>
+        </p:txBody>
+      </p:sp>
+      <p:cxnSp>
+        <p:nvCxnSpPr>
+          <p:cNvPr id="274" name="Straight Arrow Connector 273"/>
+          <p:cNvCxnSpPr>
+            <a:stCxn id="273" idx="2"/>
+            <a:endCxn id="237" idx="6"/>
+          </p:cNvCxnSpPr>
+          <p:nvPr/>
+        </p:nvCxnSpPr>
+        <p:spPr>
+          <a:xfrm flipH="1" flipV="1">
+            <a:off x="9389380" y="4756969"/>
+            <a:ext cx="2407973" cy="431736"/>
+          </a:xfrm>
+          <a:prstGeom prst="straightConnector1">
+            <a:avLst/>
+          </a:prstGeom>
+          <a:ln w="38100" cmpd="sng">
+            <a:solidFill>
+              <a:schemeClr val="tx1"/>
+            </a:solidFill>
+            <a:prstDash val="dash"/>
+            <a:tailEnd type="arrow"/>
+          </a:ln>
+          <a:effectLst/>
+        </p:spPr>
+        <p:style>
+          <a:lnRef idx="2">
+            <a:schemeClr val="accent1"/>
+          </a:lnRef>
+          <a:fillRef idx="0">
+            <a:schemeClr val="accent1"/>
+          </a:fillRef>
+          <a:effectRef idx="1">
+            <a:schemeClr val="accent1"/>
+          </a:effectRef>
+          <a:fontRef idx="minor">
+            <a:schemeClr val="tx1"/>
+          </a:fontRef>
+        </p:style>
+      </p:cxnSp>
       <p:pic>
         <p:nvPicPr>
-          <p:cNvPr id="73" name="Picture 72" descr="aiga-toilet-men.png"/>
+          <p:cNvPr id="2" name="Picture 1" descr="aiga-toilet-men.png"/>
           <p:cNvPicPr>
             <a:picLocks noChangeAspect="1"/>
           </p:cNvPicPr>
           <p:nvPr/>
         </p:nvPicPr>
         <p:blipFill>
-          <a:blip r:embed="rId3">
+          <a:blip r:embed="rId4">
             <a:extLst>
               <a:ext uri="{28A0092B-C50C-407E-A947-70E740481C1C}">
                 <a14:useLocalDpi xmlns:a14="http://schemas.microsoft.com/office/drawing/2010/main" val="0"/>
@@ -7431,7 +7924,7 @@
         </p:blipFill>
         <p:spPr>
           <a:xfrm>
-            <a:off x="2459060" y="10857679"/>
+            <a:off x="1938857" y="4826454"/>
             <a:ext cx="953646" cy="2148623"/>
           </a:xfrm>
           <a:prstGeom prst="rect">
@@ -7439,15 +7932,45 @@
           </a:prstGeom>
         </p:spPr>
       </p:pic>
-      <p:sp>
-        <p:nvSpPr>
-          <p:cNvPr id="46" name="Oval 45"/>
+      <p:pic>
+        <p:nvPicPr>
+          <p:cNvPr id="73" name="Picture 72" descr="aiga-toilet-men.png"/>
+          <p:cNvPicPr>
+            <a:picLocks noChangeAspect="1"/>
+          </p:cNvPicPr>
+          <p:nvPr/>
+        </p:nvPicPr>
+        <p:blipFill>
+          <a:blip r:embed="rId4">
+            <a:extLst>
+              <a:ext uri="{28A0092B-C50C-407E-A947-70E740481C1C}">
+                <a14:useLocalDpi xmlns:a14="http://schemas.microsoft.com/office/drawing/2010/main" val="0"/>
+              </a:ext>
+            </a:extLst>
+          </a:blip>
+          <a:stretch>
+            <a:fillRect/>
+          </a:stretch>
+        </p:blipFill>
+        <p:spPr>
+          <a:xfrm>
+            <a:off x="1963156" y="8702104"/>
+            <a:ext cx="953646" cy="2148623"/>
+          </a:xfrm>
+          <a:prstGeom prst="rect">
+            <a:avLst/>
+          </a:prstGeom>
+        </p:spPr>
+      </p:pic>
+      <p:sp>
+        <p:nvSpPr>
+          <p:cNvPr id="70" name="Oval 69"/>
           <p:cNvSpPr/>
           <p:nvPr/>
         </p:nvSpPr>
         <p:spPr>
           <a:xfrm>
-            <a:off x="8179971" y="3084181"/>
+            <a:off x="7677127" y="3400156"/>
             <a:ext cx="1854007" cy="729458"/>
           </a:xfrm>
           <a:prstGeom prst="ellipse">
@@ -7498,16 +8021,16 @@
       </p:sp>
       <p:cxnSp>
         <p:nvCxnSpPr>
-          <p:cNvPr id="47" name="Straight Connector 46"/>
+          <p:cNvPr id="71" name="Straight Connector 70"/>
           <p:cNvCxnSpPr>
-            <a:endCxn id="46" idx="2"/>
+            <a:endCxn id="70" idx="2"/>
           </p:cNvCxnSpPr>
           <p:nvPr/>
         </p:nvCxnSpPr>
         <p:spPr>
           <a:xfrm flipV="1">
-            <a:off x="3691229" y="3448910"/>
-            <a:ext cx="4488742" cy="2404532"/>
+            <a:off x="3066228" y="3764885"/>
+            <a:ext cx="4610899" cy="1786070"/>
           </a:xfrm>
           <a:prstGeom prst="line">
             <a:avLst/>
@@ -7536,13 +8059,13 @@
       </p:cxnSp>
       <p:sp>
         <p:nvSpPr>
-          <p:cNvPr id="51" name="TextBox 50"/>
+          <p:cNvPr id="76" name="TextBox 75"/>
           <p:cNvSpPr txBox="1"/>
           <p:nvPr/>
         </p:nvSpPr>
         <p:spPr>
-          <a:xfrm rot="1273823">
-            <a:off x="9860508" y="4727126"/>
+          <a:xfrm rot="21009232">
+            <a:off x="9721614" y="12965721"/>
             <a:ext cx="1177564" cy="360840"/>
           </a:xfrm>
           <a:prstGeom prst="rect">
@@ -7563,10 +8086,80 @@
           </a:p>
         </p:txBody>
       </p:sp>
+      <p:cxnSp>
+        <p:nvCxnSpPr>
+          <p:cNvPr id="77" name="Straight Arrow Connector 76"/>
+          <p:cNvCxnSpPr>
+            <a:stCxn id="267" idx="2"/>
+            <a:endCxn id="222" idx="6"/>
+          </p:cNvCxnSpPr>
+          <p:nvPr/>
+        </p:nvCxnSpPr>
+        <p:spPr>
+          <a:xfrm flipH="1">
+            <a:off x="9389380" y="13122077"/>
+            <a:ext cx="2047546" cy="341754"/>
+          </a:xfrm>
+          <a:prstGeom prst="straightConnector1">
+            <a:avLst/>
+          </a:prstGeom>
+          <a:ln w="38100" cmpd="sng">
+            <a:solidFill>
+              <a:schemeClr val="tx1"/>
+            </a:solidFill>
+            <a:prstDash val="dash"/>
+            <a:tailEnd type="arrow"/>
+          </a:ln>
+          <a:effectLst/>
+        </p:spPr>
+        <p:style>
+          <a:lnRef idx="2">
+            <a:schemeClr val="accent1"/>
+          </a:lnRef>
+          <a:fillRef idx="0">
+            <a:schemeClr val="accent1"/>
+          </a:fillRef>
+          <a:effectRef idx="1">
+            <a:schemeClr val="accent1"/>
+          </a:effectRef>
+          <a:fontRef idx="minor">
+            <a:schemeClr val="tx1"/>
+          </a:fontRef>
+        </p:style>
+      </p:cxnSp>
+      <p:sp>
+        <p:nvSpPr>
+          <p:cNvPr id="104" name="TextBox 103"/>
+          <p:cNvSpPr txBox="1"/>
+          <p:nvPr/>
+        </p:nvSpPr>
+        <p:spPr>
+          <a:xfrm rot="622023">
+            <a:off x="10312204" y="4686780"/>
+            <a:ext cx="1177564" cy="360840"/>
+          </a:xfrm>
+          <a:prstGeom prst="rect">
+            <a:avLst/>
+          </a:prstGeom>
+          <a:noFill/>
+        </p:spPr>
+        <p:txBody>
+          <a:bodyPr wrap="square" lIns="143990" tIns="71995" rIns="143990" bIns="71995" rtlCol="0">
+            <a:spAutoFit/>
+          </a:bodyPr>
+          <a:lstStyle/>
+          <a:p>
+            <a:r>
+              <a:rPr lang="en-US" sz="1400" dirty="0"/>
+              <a:t>Extends</a:t>
+            </a:r>
+          </a:p>
+        </p:txBody>
+      </p:sp>
     </p:spTree>
     <p:extLst>
       <p:ext uri="{BB962C8B-B14F-4D97-AF65-F5344CB8AC3E}">
-        <p14:creationId xmlns:p14="http://schemas.microsoft.com/office/powerpoint/2010/main" val="499140776"/>
+        <p14:creationId xmlns:p14="http://schemas.microsoft.com/office/powerpoint/2010/main" val="3270038810"/>
       </p:ext>
     </p:extLst>
   </p:cSld>
